--- a/Team B Presentation (3).pptx
+++ b/Team B Presentation (3).pptx
@@ -4219,12 +4219,12 @@
               <a:buChar char="•"/>
             </a:pPr>
             <a:r>
-              <a:rPr lang="en-US" dirty="0"/>
+              <a:rPr lang="en-US" b="1" dirty="0"/>
               <a:t>Team Members</a:t>
             </a:r>
           </a:p>
           <a:p>
-            <a:pPr indent="-228600">
+            <a:pPr lvl="1" indent="-228600">
               <a:lnSpc>
                 <a:spcPct val="110000"/>
               </a:lnSpc>
@@ -4240,7 +4240,7 @@
             </a:r>
           </a:p>
           <a:p>
-            <a:pPr indent="-228600">
+            <a:pPr lvl="1" indent="-228600">
               <a:lnSpc>
                 <a:spcPct val="110000"/>
               </a:lnSpc>
@@ -4252,11 +4252,11 @@
             </a:pPr>
             <a:r>
               <a:rPr lang="en-US" dirty="0"/>
-              <a:t>Nouman Mehar</a:t>
-            </a:r>
-          </a:p>
-          <a:p>
-            <a:pPr indent="-228600">
+              <a:t>Suneeta Vota</a:t>
+            </a:r>
+          </a:p>
+          <a:p>
+            <a:pPr lvl="1" indent="-228600">
               <a:lnSpc>
                 <a:spcPct val="110000"/>
               </a:lnSpc>
@@ -4267,9 +4267,10 @@
               <a:buChar char="•"/>
             </a:pPr>
             <a:r>
-              <a:rPr lang="en-US" dirty="0"/>
-              <a:t>Suneeta Vota</a:t>
-            </a:r>
+              <a:rPr lang="en-US"/>
+              <a:t>Nouman Mehar</a:t>
+            </a:r>
+            <a:endParaRPr lang="en-US" dirty="0"/>
           </a:p>
         </p:txBody>
       </p:sp>
@@ -5258,7 +5259,7 @@
                 <a:ea typeface="Calibri" pitchFamily="34"/>
                 <a:cs typeface="Times New Roman" pitchFamily="18"/>
               </a:rPr>
-              <a:t> (which usually gives a low AP</a:t>
+              <a:t> (which usually gives a low AP)</a:t>
             </a:r>
             <a:r>
               <a:rPr lang="en-GB" sz="1600" dirty="0">
@@ -10760,7 +10761,7 @@
                 <a:uFillTx/>
                 <a:latin typeface="Comic Sans MS" pitchFamily="66"/>
               </a:rPr>
-              <a:t>Confusion Matrix - actual vs. predicted class counts</a:t>
+              <a:t>Classification Report - Heatmap</a:t>
             </a:r>
           </a:p>
         </p:txBody>

--- a/Team B Presentation (3).pptx
+++ b/Team B Presentation (3).pptx
@@ -5,7 +5,7 @@
     <p:sldMasterId id="2147483660" r:id="rId1"/>
   </p:sldMasterIdLst>
   <p:notesMasterIdLst>
-    <p:notesMasterId r:id="rId36"/>
+    <p:notesMasterId r:id="rId37"/>
   </p:notesMasterIdLst>
   <p:sldIdLst>
     <p:sldId id="258" r:id="rId2"/>
@@ -39,9 +39,10 @@
     <p:sldId id="284" r:id="rId30"/>
     <p:sldId id="285" r:id="rId31"/>
     <p:sldId id="286" r:id="rId32"/>
-    <p:sldId id="270" r:id="rId33"/>
-    <p:sldId id="271" r:id="rId34"/>
-    <p:sldId id="272" r:id="rId35"/>
+    <p:sldId id="302" r:id="rId33"/>
+    <p:sldId id="270" r:id="rId34"/>
+    <p:sldId id="271" r:id="rId35"/>
+    <p:sldId id="272" r:id="rId36"/>
   </p:sldIdLst>
   <p:sldSz cx="12192000" cy="6858000"/>
   <p:notesSz cx="6858000" cy="9144000"/>
@@ -604,7 +605,7 @@
           <p:cNvPr id="2" name="Title 1">
             <a:extLst>
               <a:ext uri="{FF2B5EF4-FFF2-40B4-BE49-F238E27FC236}">
-                <a16:creationId xmlns:a16="http://schemas.microsoft.com/office/drawing/2014/main" id="{898DE6C8-AB1D-4204-BC9C-3366B0BF0435}"/>
+                <a16:creationId xmlns:a16="http://schemas.microsoft.com/office/drawing/2014/main" xmlns="" id="{898DE6C8-AB1D-4204-BC9C-3366B0BF0435}"/>
               </a:ext>
             </a:extLst>
           </p:cNvPr>
@@ -644,7 +645,7 @@
           <p:cNvPr id="3" name="Subtitle 2">
             <a:extLst>
               <a:ext uri="{FF2B5EF4-FFF2-40B4-BE49-F238E27FC236}">
-                <a16:creationId xmlns:a16="http://schemas.microsoft.com/office/drawing/2014/main" id="{7A7B9009-EE50-4EE5-B6EB-CD6EC83D3FA3}"/>
+                <a16:creationId xmlns:a16="http://schemas.microsoft.com/office/drawing/2014/main" xmlns="" id="{7A7B9009-EE50-4EE5-B6EB-CD6EC83D3FA3}"/>
               </a:ext>
             </a:extLst>
           </p:cNvPr>
@@ -717,7 +718,7 @@
           <p:cNvPr id="4" name="Date Placeholder 3">
             <a:extLst>
               <a:ext uri="{FF2B5EF4-FFF2-40B4-BE49-F238E27FC236}">
-                <a16:creationId xmlns:a16="http://schemas.microsoft.com/office/drawing/2014/main" id="{99C8667E-058A-436F-B8EA-5B3A99D43D09}"/>
+                <a16:creationId xmlns:a16="http://schemas.microsoft.com/office/drawing/2014/main" xmlns="" id="{99C8667E-058A-436F-B8EA-5B3A99D43D09}"/>
               </a:ext>
             </a:extLst>
           </p:cNvPr>
@@ -746,7 +747,7 @@
           <p:cNvPr id="5" name="Footer Placeholder 4">
             <a:extLst>
               <a:ext uri="{FF2B5EF4-FFF2-40B4-BE49-F238E27FC236}">
-                <a16:creationId xmlns:a16="http://schemas.microsoft.com/office/drawing/2014/main" id="{52680305-1AD7-482D-BFFD-6CDB83AB39A4}"/>
+                <a16:creationId xmlns:a16="http://schemas.microsoft.com/office/drawing/2014/main" xmlns="" id="{52680305-1AD7-482D-BFFD-6CDB83AB39A4}"/>
               </a:ext>
             </a:extLst>
           </p:cNvPr>
@@ -771,7 +772,7 @@
           <p:cNvPr id="6" name="Slide Number Placeholder 5">
             <a:extLst>
               <a:ext uri="{FF2B5EF4-FFF2-40B4-BE49-F238E27FC236}">
-                <a16:creationId xmlns:a16="http://schemas.microsoft.com/office/drawing/2014/main" id="{BE5762A1-52E9-402D-B65E-DF193E44CE83}"/>
+                <a16:creationId xmlns:a16="http://schemas.microsoft.com/office/drawing/2014/main" xmlns="" id="{BE5762A1-52E9-402D-B65E-DF193E44CE83}"/>
               </a:ext>
             </a:extLst>
           </p:cNvPr>
@@ -830,7 +831,7 @@
           <p:cNvPr id="2" name="Title 1">
             <a:extLst>
               <a:ext uri="{FF2B5EF4-FFF2-40B4-BE49-F238E27FC236}">
-                <a16:creationId xmlns:a16="http://schemas.microsoft.com/office/drawing/2014/main" id="{7D6359C1-C098-4BF4-A55D-782F4E606B8A}"/>
+                <a16:creationId xmlns:a16="http://schemas.microsoft.com/office/drawing/2014/main" xmlns="" id="{7D6359C1-C098-4BF4-A55D-782F4E606B8A}"/>
               </a:ext>
             </a:extLst>
           </p:cNvPr>
@@ -859,7 +860,7 @@
           <p:cNvPr id="3" name="Vertical Text Placeholder 2">
             <a:extLst>
               <a:ext uri="{FF2B5EF4-FFF2-40B4-BE49-F238E27FC236}">
-                <a16:creationId xmlns:a16="http://schemas.microsoft.com/office/drawing/2014/main" id="{3D343C7E-1E8B-4D38-9B81-1AA2A8978EDE}"/>
+                <a16:creationId xmlns:a16="http://schemas.microsoft.com/office/drawing/2014/main" xmlns="" id="{3D343C7E-1E8B-4D38-9B81-1AA2A8978EDE}"/>
               </a:ext>
             </a:extLst>
           </p:cNvPr>
@@ -917,7 +918,7 @@
           <p:cNvPr id="4" name="Date Placeholder 3">
             <a:extLst>
               <a:ext uri="{FF2B5EF4-FFF2-40B4-BE49-F238E27FC236}">
-                <a16:creationId xmlns:a16="http://schemas.microsoft.com/office/drawing/2014/main" id="{C8A70B00-53AE-4D3F-91BE-A8D789ED9864}"/>
+                <a16:creationId xmlns:a16="http://schemas.microsoft.com/office/drawing/2014/main" xmlns="" id="{C8A70B00-53AE-4D3F-91BE-A8D789ED9864}"/>
               </a:ext>
             </a:extLst>
           </p:cNvPr>
@@ -946,7 +947,7 @@
           <p:cNvPr id="5" name="Footer Placeholder 4">
             <a:extLst>
               <a:ext uri="{FF2B5EF4-FFF2-40B4-BE49-F238E27FC236}">
-                <a16:creationId xmlns:a16="http://schemas.microsoft.com/office/drawing/2014/main" id="{06647FC7-8124-4F70-A849-B6BCC5189CC3}"/>
+                <a16:creationId xmlns:a16="http://schemas.microsoft.com/office/drawing/2014/main" xmlns="" id="{06647FC7-8124-4F70-A849-B6BCC5189CC3}"/>
               </a:ext>
             </a:extLst>
           </p:cNvPr>
@@ -971,7 +972,7 @@
           <p:cNvPr id="6" name="Slide Number Placeholder 5">
             <a:extLst>
               <a:ext uri="{FF2B5EF4-FFF2-40B4-BE49-F238E27FC236}">
-                <a16:creationId xmlns:a16="http://schemas.microsoft.com/office/drawing/2014/main" id="{B47CEBE4-50DC-47DB-B699-CCC024336C9F}"/>
+                <a16:creationId xmlns:a16="http://schemas.microsoft.com/office/drawing/2014/main" xmlns="" id="{B47CEBE4-50DC-47DB-B699-CCC024336C9F}"/>
               </a:ext>
             </a:extLst>
           </p:cNvPr>
@@ -1030,7 +1031,7 @@
           <p:cNvPr id="2" name="Vertical Title 1">
             <a:extLst>
               <a:ext uri="{FF2B5EF4-FFF2-40B4-BE49-F238E27FC236}">
-                <a16:creationId xmlns:a16="http://schemas.microsoft.com/office/drawing/2014/main" id="{4B418279-D3B8-4C6A-AB74-9DE377771270}"/>
+                <a16:creationId xmlns:a16="http://schemas.microsoft.com/office/drawing/2014/main" xmlns="" id="{4B418279-D3B8-4C6A-AB74-9DE377771270}"/>
               </a:ext>
             </a:extLst>
           </p:cNvPr>
@@ -1064,7 +1065,7 @@
           <p:cNvPr id="3" name="Vertical Text Placeholder 2">
             <a:extLst>
               <a:ext uri="{FF2B5EF4-FFF2-40B4-BE49-F238E27FC236}">
-                <a16:creationId xmlns:a16="http://schemas.microsoft.com/office/drawing/2014/main" id="{E28F733C-9309-4197-BACA-207CDC8935C9}"/>
+                <a16:creationId xmlns:a16="http://schemas.microsoft.com/office/drawing/2014/main" xmlns="" id="{E28F733C-9309-4197-BACA-207CDC8935C9}"/>
               </a:ext>
             </a:extLst>
           </p:cNvPr>
@@ -1127,7 +1128,7 @@
           <p:cNvPr id="4" name="Date Placeholder 3">
             <a:extLst>
               <a:ext uri="{FF2B5EF4-FFF2-40B4-BE49-F238E27FC236}">
-                <a16:creationId xmlns:a16="http://schemas.microsoft.com/office/drawing/2014/main" id="{56ACD4D0-5BE6-412D-B08B-5DFFD593513E}"/>
+                <a16:creationId xmlns:a16="http://schemas.microsoft.com/office/drawing/2014/main" xmlns="" id="{56ACD4D0-5BE6-412D-B08B-5DFFD593513E}"/>
               </a:ext>
             </a:extLst>
           </p:cNvPr>
@@ -1156,7 +1157,7 @@
           <p:cNvPr id="5" name="Footer Placeholder 4">
             <a:extLst>
               <a:ext uri="{FF2B5EF4-FFF2-40B4-BE49-F238E27FC236}">
-                <a16:creationId xmlns:a16="http://schemas.microsoft.com/office/drawing/2014/main" id="{55021651-B786-4A39-A10F-F5231D0A2C5E}"/>
+                <a16:creationId xmlns:a16="http://schemas.microsoft.com/office/drawing/2014/main" xmlns="" id="{55021651-B786-4A39-A10F-F5231D0A2C5E}"/>
               </a:ext>
             </a:extLst>
           </p:cNvPr>
@@ -1181,7 +1182,7 @@
           <p:cNvPr id="6" name="Slide Number Placeholder 5">
             <a:extLst>
               <a:ext uri="{FF2B5EF4-FFF2-40B4-BE49-F238E27FC236}">
-                <a16:creationId xmlns:a16="http://schemas.microsoft.com/office/drawing/2014/main" id="{74504D2D-9379-40DE-9F45-3004BE54F16B}"/>
+                <a16:creationId xmlns:a16="http://schemas.microsoft.com/office/drawing/2014/main" xmlns="" id="{74504D2D-9379-40DE-9F45-3004BE54F16B}"/>
               </a:ext>
             </a:extLst>
           </p:cNvPr>
@@ -1240,7 +1241,7 @@
           <p:cNvPr id="2" name="Title 1">
             <a:extLst>
               <a:ext uri="{FF2B5EF4-FFF2-40B4-BE49-F238E27FC236}">
-                <a16:creationId xmlns:a16="http://schemas.microsoft.com/office/drawing/2014/main" id="{5A987CA6-BFD9-4CB1-8892-F6B062E82445}"/>
+                <a16:creationId xmlns:a16="http://schemas.microsoft.com/office/drawing/2014/main" xmlns="" id="{5A987CA6-BFD9-4CB1-8892-F6B062E82445}"/>
               </a:ext>
             </a:extLst>
           </p:cNvPr>
@@ -1269,7 +1270,7 @@
           <p:cNvPr id="3" name="Content Placeholder 2">
             <a:extLst>
               <a:ext uri="{FF2B5EF4-FFF2-40B4-BE49-F238E27FC236}">
-                <a16:creationId xmlns:a16="http://schemas.microsoft.com/office/drawing/2014/main" id="{E0CDA8C3-9C0C-4E52-9A62-E4DB159E6B0E}"/>
+                <a16:creationId xmlns:a16="http://schemas.microsoft.com/office/drawing/2014/main" xmlns="" id="{E0CDA8C3-9C0C-4E52-9A62-E4DB159E6B0E}"/>
               </a:ext>
             </a:extLst>
           </p:cNvPr>
@@ -1327,7 +1328,7 @@
           <p:cNvPr id="4" name="Date Placeholder 3">
             <a:extLst>
               <a:ext uri="{FF2B5EF4-FFF2-40B4-BE49-F238E27FC236}">
-                <a16:creationId xmlns:a16="http://schemas.microsoft.com/office/drawing/2014/main" id="{7CC3EC35-E02F-41FF-9232-F90692A902FC}"/>
+                <a16:creationId xmlns:a16="http://schemas.microsoft.com/office/drawing/2014/main" xmlns="" id="{7CC3EC35-E02F-41FF-9232-F90692A902FC}"/>
               </a:ext>
             </a:extLst>
           </p:cNvPr>
@@ -1356,7 +1357,7 @@
           <p:cNvPr id="5" name="Footer Placeholder 4">
             <a:extLst>
               <a:ext uri="{FF2B5EF4-FFF2-40B4-BE49-F238E27FC236}">
-                <a16:creationId xmlns:a16="http://schemas.microsoft.com/office/drawing/2014/main" id="{39D13D38-5DF1-443B-8A12-71E834FDC6A1}"/>
+                <a16:creationId xmlns:a16="http://schemas.microsoft.com/office/drawing/2014/main" xmlns="" id="{39D13D38-5DF1-443B-8A12-71E834FDC6A1}"/>
               </a:ext>
             </a:extLst>
           </p:cNvPr>
@@ -1381,7 +1382,7 @@
           <p:cNvPr id="6" name="Slide Number Placeholder 5">
             <a:extLst>
               <a:ext uri="{FF2B5EF4-FFF2-40B4-BE49-F238E27FC236}">
-                <a16:creationId xmlns:a16="http://schemas.microsoft.com/office/drawing/2014/main" id="{F25E644A-4A37-4757-9809-5B035E2874E6}"/>
+                <a16:creationId xmlns:a16="http://schemas.microsoft.com/office/drawing/2014/main" xmlns="" id="{F25E644A-4A37-4757-9809-5B035E2874E6}"/>
               </a:ext>
             </a:extLst>
           </p:cNvPr>
@@ -1440,7 +1441,7 @@
           <p:cNvPr id="2" name="Title 1">
             <a:extLst>
               <a:ext uri="{FF2B5EF4-FFF2-40B4-BE49-F238E27FC236}">
-                <a16:creationId xmlns:a16="http://schemas.microsoft.com/office/drawing/2014/main" id="{70E6578B-CD85-4BF1-A729-E8E8079B595F}"/>
+                <a16:creationId xmlns:a16="http://schemas.microsoft.com/office/drawing/2014/main" xmlns="" id="{70E6578B-CD85-4BF1-A729-E8E8079B595F}"/>
               </a:ext>
             </a:extLst>
           </p:cNvPr>
@@ -1478,7 +1479,7 @@
           <p:cNvPr id="3" name="Text Placeholder 2">
             <a:extLst>
               <a:ext uri="{FF2B5EF4-FFF2-40B4-BE49-F238E27FC236}">
-                <a16:creationId xmlns:a16="http://schemas.microsoft.com/office/drawing/2014/main" id="{A58448C1-C13F-4826-8347-EEB00A6643D6}"/>
+                <a16:creationId xmlns:a16="http://schemas.microsoft.com/office/drawing/2014/main" xmlns="" id="{A58448C1-C13F-4826-8347-EEB00A6643D6}"/>
               </a:ext>
             </a:extLst>
           </p:cNvPr>
@@ -1603,7 +1604,7 @@
           <p:cNvPr id="4" name="Date Placeholder 3">
             <a:extLst>
               <a:ext uri="{FF2B5EF4-FFF2-40B4-BE49-F238E27FC236}">
-                <a16:creationId xmlns:a16="http://schemas.microsoft.com/office/drawing/2014/main" id="{5806546A-957F-4C4D-9744-1177AD258E10}"/>
+                <a16:creationId xmlns:a16="http://schemas.microsoft.com/office/drawing/2014/main" xmlns="" id="{5806546A-957F-4C4D-9744-1177AD258E10}"/>
               </a:ext>
             </a:extLst>
           </p:cNvPr>
@@ -1632,7 +1633,7 @@
           <p:cNvPr id="5" name="Footer Placeholder 4">
             <a:extLst>
               <a:ext uri="{FF2B5EF4-FFF2-40B4-BE49-F238E27FC236}">
-                <a16:creationId xmlns:a16="http://schemas.microsoft.com/office/drawing/2014/main" id="{B1DB149C-CC63-4E3A-A83D-EF637EB51979}"/>
+                <a16:creationId xmlns:a16="http://schemas.microsoft.com/office/drawing/2014/main" xmlns="" id="{B1DB149C-CC63-4E3A-A83D-EF637EB51979}"/>
               </a:ext>
             </a:extLst>
           </p:cNvPr>
@@ -1657,7 +1658,7 @@
           <p:cNvPr id="6" name="Slide Number Placeholder 5">
             <a:extLst>
               <a:ext uri="{FF2B5EF4-FFF2-40B4-BE49-F238E27FC236}">
-                <a16:creationId xmlns:a16="http://schemas.microsoft.com/office/drawing/2014/main" id="{EDB94775-7982-41EC-B584-D51224D38F77}"/>
+                <a16:creationId xmlns:a16="http://schemas.microsoft.com/office/drawing/2014/main" xmlns="" id="{EDB94775-7982-41EC-B584-D51224D38F77}"/>
               </a:ext>
             </a:extLst>
           </p:cNvPr>
@@ -1716,7 +1717,7 @@
           <p:cNvPr id="2" name="Title 1">
             <a:extLst>
               <a:ext uri="{FF2B5EF4-FFF2-40B4-BE49-F238E27FC236}">
-                <a16:creationId xmlns:a16="http://schemas.microsoft.com/office/drawing/2014/main" id="{88CE4BD8-507D-48E4-A624-F16A741C3609}"/>
+                <a16:creationId xmlns:a16="http://schemas.microsoft.com/office/drawing/2014/main" xmlns="" id="{88CE4BD8-507D-48E4-A624-F16A741C3609}"/>
               </a:ext>
             </a:extLst>
           </p:cNvPr>
@@ -1750,7 +1751,7 @@
           <p:cNvPr id="3" name="Content Placeholder 2">
             <a:extLst>
               <a:ext uri="{FF2B5EF4-FFF2-40B4-BE49-F238E27FC236}">
-                <a16:creationId xmlns:a16="http://schemas.microsoft.com/office/drawing/2014/main" id="{810A07E4-3A39-457C-A059-7DFB6039D947}"/>
+                <a16:creationId xmlns:a16="http://schemas.microsoft.com/office/drawing/2014/main" xmlns="" id="{810A07E4-3A39-457C-A059-7DFB6039D947}"/>
               </a:ext>
             </a:extLst>
           </p:cNvPr>
@@ -1813,7 +1814,7 @@
           <p:cNvPr id="4" name="Content Placeholder 3">
             <a:extLst>
               <a:ext uri="{FF2B5EF4-FFF2-40B4-BE49-F238E27FC236}">
-                <a16:creationId xmlns:a16="http://schemas.microsoft.com/office/drawing/2014/main" id="{7B141E17-47CE-4A78-B0FA-0E9786DA67C5}"/>
+                <a16:creationId xmlns:a16="http://schemas.microsoft.com/office/drawing/2014/main" xmlns="" id="{7B141E17-47CE-4A78-B0FA-0E9786DA67C5}"/>
               </a:ext>
             </a:extLst>
           </p:cNvPr>
@@ -1876,7 +1877,7 @@
           <p:cNvPr id="5" name="Date Placeholder 4">
             <a:extLst>
               <a:ext uri="{FF2B5EF4-FFF2-40B4-BE49-F238E27FC236}">
-                <a16:creationId xmlns:a16="http://schemas.microsoft.com/office/drawing/2014/main" id="{89F02C13-D3ED-4044-9716-F29D79A184C9}"/>
+                <a16:creationId xmlns:a16="http://schemas.microsoft.com/office/drawing/2014/main" xmlns="" id="{89F02C13-D3ED-4044-9716-F29D79A184C9}"/>
               </a:ext>
             </a:extLst>
           </p:cNvPr>
@@ -1905,7 +1906,7 @@
           <p:cNvPr id="6" name="Footer Placeholder 5">
             <a:extLst>
               <a:ext uri="{FF2B5EF4-FFF2-40B4-BE49-F238E27FC236}">
-                <a16:creationId xmlns:a16="http://schemas.microsoft.com/office/drawing/2014/main" id="{8AF334AD-FB29-4355-B5CF-85E61B4F3409}"/>
+                <a16:creationId xmlns:a16="http://schemas.microsoft.com/office/drawing/2014/main" xmlns="" id="{8AF334AD-FB29-4355-B5CF-85E61B4F3409}"/>
               </a:ext>
             </a:extLst>
           </p:cNvPr>
@@ -1930,7 +1931,7 @@
           <p:cNvPr id="7" name="Slide Number Placeholder 6">
             <a:extLst>
               <a:ext uri="{FF2B5EF4-FFF2-40B4-BE49-F238E27FC236}">
-                <a16:creationId xmlns:a16="http://schemas.microsoft.com/office/drawing/2014/main" id="{BA5AA154-790C-4774-9C21-8C543E733F26}"/>
+                <a16:creationId xmlns:a16="http://schemas.microsoft.com/office/drawing/2014/main" xmlns="" id="{BA5AA154-790C-4774-9C21-8C543E733F26}"/>
               </a:ext>
             </a:extLst>
           </p:cNvPr>
@@ -1989,7 +1990,7 @@
           <p:cNvPr id="2" name="Title 1">
             <a:extLst>
               <a:ext uri="{FF2B5EF4-FFF2-40B4-BE49-F238E27FC236}">
-                <a16:creationId xmlns:a16="http://schemas.microsoft.com/office/drawing/2014/main" id="{9E07DD35-7673-4F88-86B0-634883B5E345}"/>
+                <a16:creationId xmlns:a16="http://schemas.microsoft.com/office/drawing/2014/main" xmlns="" id="{9E07DD35-7673-4F88-86B0-634883B5E345}"/>
               </a:ext>
             </a:extLst>
           </p:cNvPr>
@@ -2023,7 +2024,7 @@
           <p:cNvPr id="3" name="Text Placeholder 2">
             <a:extLst>
               <a:ext uri="{FF2B5EF4-FFF2-40B4-BE49-F238E27FC236}">
-                <a16:creationId xmlns:a16="http://schemas.microsoft.com/office/drawing/2014/main" id="{5EC820D7-3E0B-47C6-A583-C4C839C5AF03}"/>
+                <a16:creationId xmlns:a16="http://schemas.microsoft.com/office/drawing/2014/main" xmlns="" id="{5EC820D7-3E0B-47C6-A583-C4C839C5AF03}"/>
               </a:ext>
             </a:extLst>
           </p:cNvPr>
@@ -2098,7 +2099,7 @@
           <p:cNvPr id="4" name="Content Placeholder 3">
             <a:extLst>
               <a:ext uri="{FF2B5EF4-FFF2-40B4-BE49-F238E27FC236}">
-                <a16:creationId xmlns:a16="http://schemas.microsoft.com/office/drawing/2014/main" id="{6A839A7B-97D5-400F-B802-A0FF28FE9F15}"/>
+                <a16:creationId xmlns:a16="http://schemas.microsoft.com/office/drawing/2014/main" xmlns="" id="{6A839A7B-97D5-400F-B802-A0FF28FE9F15}"/>
               </a:ext>
             </a:extLst>
           </p:cNvPr>
@@ -2161,7 +2162,7 @@
           <p:cNvPr id="5" name="Text Placeholder 4">
             <a:extLst>
               <a:ext uri="{FF2B5EF4-FFF2-40B4-BE49-F238E27FC236}">
-                <a16:creationId xmlns:a16="http://schemas.microsoft.com/office/drawing/2014/main" id="{C2E0ECA2-DBF1-4681-9DFA-93AFD1B371DB}"/>
+                <a16:creationId xmlns:a16="http://schemas.microsoft.com/office/drawing/2014/main" xmlns="" id="{C2E0ECA2-DBF1-4681-9DFA-93AFD1B371DB}"/>
               </a:ext>
             </a:extLst>
           </p:cNvPr>
@@ -2236,7 +2237,7 @@
           <p:cNvPr id="6" name="Content Placeholder 5">
             <a:extLst>
               <a:ext uri="{FF2B5EF4-FFF2-40B4-BE49-F238E27FC236}">
-                <a16:creationId xmlns:a16="http://schemas.microsoft.com/office/drawing/2014/main" id="{390EBBBB-517F-4ED7-9E51-CF0F7590B4D4}"/>
+                <a16:creationId xmlns:a16="http://schemas.microsoft.com/office/drawing/2014/main" xmlns="" id="{390EBBBB-517F-4ED7-9E51-CF0F7590B4D4}"/>
               </a:ext>
             </a:extLst>
           </p:cNvPr>
@@ -2299,7 +2300,7 @@
           <p:cNvPr id="7" name="Date Placeholder 6">
             <a:extLst>
               <a:ext uri="{FF2B5EF4-FFF2-40B4-BE49-F238E27FC236}">
-                <a16:creationId xmlns:a16="http://schemas.microsoft.com/office/drawing/2014/main" id="{2511B5C7-1E37-478F-B4B0-C7202FFE41B9}"/>
+                <a16:creationId xmlns:a16="http://schemas.microsoft.com/office/drawing/2014/main" xmlns="" id="{2511B5C7-1E37-478F-B4B0-C7202FFE41B9}"/>
               </a:ext>
             </a:extLst>
           </p:cNvPr>
@@ -2328,7 +2329,7 @@
           <p:cNvPr id="8" name="Footer Placeholder 7">
             <a:extLst>
               <a:ext uri="{FF2B5EF4-FFF2-40B4-BE49-F238E27FC236}">
-                <a16:creationId xmlns:a16="http://schemas.microsoft.com/office/drawing/2014/main" id="{9153F7EF-507C-4CB3-86C5-8B34FFFC1D86}"/>
+                <a16:creationId xmlns:a16="http://schemas.microsoft.com/office/drawing/2014/main" xmlns="" id="{9153F7EF-507C-4CB3-86C5-8B34FFFC1D86}"/>
               </a:ext>
             </a:extLst>
           </p:cNvPr>
@@ -2353,7 +2354,7 @@
           <p:cNvPr id="9" name="Slide Number Placeholder 8">
             <a:extLst>
               <a:ext uri="{FF2B5EF4-FFF2-40B4-BE49-F238E27FC236}">
-                <a16:creationId xmlns:a16="http://schemas.microsoft.com/office/drawing/2014/main" id="{58E3DEA6-E4EB-4C2A-8B4F-55EC965B6219}"/>
+                <a16:creationId xmlns:a16="http://schemas.microsoft.com/office/drawing/2014/main" xmlns="" id="{58E3DEA6-E4EB-4C2A-8B4F-55EC965B6219}"/>
               </a:ext>
             </a:extLst>
           </p:cNvPr>
@@ -2412,7 +2413,7 @@
           <p:cNvPr id="2" name="Title 1">
             <a:extLst>
               <a:ext uri="{FF2B5EF4-FFF2-40B4-BE49-F238E27FC236}">
-                <a16:creationId xmlns:a16="http://schemas.microsoft.com/office/drawing/2014/main" id="{38032964-A933-4B98-A141-A4B316DAFA9F}"/>
+                <a16:creationId xmlns:a16="http://schemas.microsoft.com/office/drawing/2014/main" xmlns="" id="{38032964-A933-4B98-A141-A4B316DAFA9F}"/>
               </a:ext>
             </a:extLst>
           </p:cNvPr>
@@ -2441,7 +2442,7 @@
           <p:cNvPr id="3" name="Date Placeholder 2">
             <a:extLst>
               <a:ext uri="{FF2B5EF4-FFF2-40B4-BE49-F238E27FC236}">
-                <a16:creationId xmlns:a16="http://schemas.microsoft.com/office/drawing/2014/main" id="{5D684C9D-23DA-42B0-9DD3-7592F72E8DC9}"/>
+                <a16:creationId xmlns:a16="http://schemas.microsoft.com/office/drawing/2014/main" xmlns="" id="{5D684C9D-23DA-42B0-9DD3-7592F72E8DC9}"/>
               </a:ext>
             </a:extLst>
           </p:cNvPr>
@@ -2470,7 +2471,7 @@
           <p:cNvPr id="4" name="Footer Placeholder 3">
             <a:extLst>
               <a:ext uri="{FF2B5EF4-FFF2-40B4-BE49-F238E27FC236}">
-                <a16:creationId xmlns:a16="http://schemas.microsoft.com/office/drawing/2014/main" id="{68BF8F05-876F-49D8-AE30-5BB2A91ECD59}"/>
+                <a16:creationId xmlns:a16="http://schemas.microsoft.com/office/drawing/2014/main" xmlns="" id="{68BF8F05-876F-49D8-AE30-5BB2A91ECD59}"/>
               </a:ext>
             </a:extLst>
           </p:cNvPr>
@@ -2495,7 +2496,7 @@
           <p:cNvPr id="5" name="Slide Number Placeholder 4">
             <a:extLst>
               <a:ext uri="{FF2B5EF4-FFF2-40B4-BE49-F238E27FC236}">
-                <a16:creationId xmlns:a16="http://schemas.microsoft.com/office/drawing/2014/main" id="{153D20DA-9260-4577-BB51-789570A243AF}"/>
+                <a16:creationId xmlns:a16="http://schemas.microsoft.com/office/drawing/2014/main" xmlns="" id="{153D20DA-9260-4577-BB51-789570A243AF}"/>
               </a:ext>
             </a:extLst>
           </p:cNvPr>
@@ -2554,7 +2555,7 @@
           <p:cNvPr id="2" name="Date Placeholder 1">
             <a:extLst>
               <a:ext uri="{FF2B5EF4-FFF2-40B4-BE49-F238E27FC236}">
-                <a16:creationId xmlns:a16="http://schemas.microsoft.com/office/drawing/2014/main" id="{AD2C1F24-E0A1-45A7-8EF5-92CD9799341C}"/>
+                <a16:creationId xmlns:a16="http://schemas.microsoft.com/office/drawing/2014/main" xmlns="" id="{AD2C1F24-E0A1-45A7-8EF5-92CD9799341C}"/>
               </a:ext>
             </a:extLst>
           </p:cNvPr>
@@ -2583,7 +2584,7 @@
           <p:cNvPr id="3" name="Footer Placeholder 2">
             <a:extLst>
               <a:ext uri="{FF2B5EF4-FFF2-40B4-BE49-F238E27FC236}">
-                <a16:creationId xmlns:a16="http://schemas.microsoft.com/office/drawing/2014/main" id="{3E021C19-210E-46B0-9036-5D8AECC9260C}"/>
+                <a16:creationId xmlns:a16="http://schemas.microsoft.com/office/drawing/2014/main" xmlns="" id="{3E021C19-210E-46B0-9036-5D8AECC9260C}"/>
               </a:ext>
             </a:extLst>
           </p:cNvPr>
@@ -2608,7 +2609,7 @@
           <p:cNvPr id="4" name="Slide Number Placeholder 3">
             <a:extLst>
               <a:ext uri="{FF2B5EF4-FFF2-40B4-BE49-F238E27FC236}">
-                <a16:creationId xmlns:a16="http://schemas.microsoft.com/office/drawing/2014/main" id="{1A880FEF-487E-44DF-8615-DF2210419602}"/>
+                <a16:creationId xmlns:a16="http://schemas.microsoft.com/office/drawing/2014/main" xmlns="" id="{1A880FEF-487E-44DF-8615-DF2210419602}"/>
               </a:ext>
             </a:extLst>
           </p:cNvPr>
@@ -2667,7 +2668,7 @@
           <p:cNvPr id="2" name="Title 1">
             <a:extLst>
               <a:ext uri="{FF2B5EF4-FFF2-40B4-BE49-F238E27FC236}">
-                <a16:creationId xmlns:a16="http://schemas.microsoft.com/office/drawing/2014/main" id="{11A568EE-74C8-43A6-90BC-2DDD965CF64A}"/>
+                <a16:creationId xmlns:a16="http://schemas.microsoft.com/office/drawing/2014/main" xmlns="" id="{11A568EE-74C8-43A6-90BC-2DDD965CF64A}"/>
               </a:ext>
             </a:extLst>
           </p:cNvPr>
@@ -2705,7 +2706,7 @@
           <p:cNvPr id="3" name="Content Placeholder 2">
             <a:extLst>
               <a:ext uri="{FF2B5EF4-FFF2-40B4-BE49-F238E27FC236}">
-                <a16:creationId xmlns:a16="http://schemas.microsoft.com/office/drawing/2014/main" id="{971C35AC-CAE3-48CF-A3E4-A075C9FDD71B}"/>
+                <a16:creationId xmlns:a16="http://schemas.microsoft.com/office/drawing/2014/main" xmlns="" id="{971C35AC-CAE3-48CF-A3E4-A075C9FDD71B}"/>
               </a:ext>
             </a:extLst>
           </p:cNvPr>
@@ -2796,7 +2797,7 @@
           <p:cNvPr id="4" name="Text Placeholder 3">
             <a:extLst>
               <a:ext uri="{FF2B5EF4-FFF2-40B4-BE49-F238E27FC236}">
-                <a16:creationId xmlns:a16="http://schemas.microsoft.com/office/drawing/2014/main" id="{2D9D03EA-5FAD-4609-A2B8-624E426847E3}"/>
+                <a16:creationId xmlns:a16="http://schemas.microsoft.com/office/drawing/2014/main" xmlns="" id="{2D9D03EA-5FAD-4609-A2B8-624E426847E3}"/>
               </a:ext>
             </a:extLst>
           </p:cNvPr>
@@ -2867,7 +2868,7 @@
           <p:cNvPr id="5" name="Date Placeholder 4">
             <a:extLst>
               <a:ext uri="{FF2B5EF4-FFF2-40B4-BE49-F238E27FC236}">
-                <a16:creationId xmlns:a16="http://schemas.microsoft.com/office/drawing/2014/main" id="{0B58D2EA-2191-4216-B64D-067BDFE12375}"/>
+                <a16:creationId xmlns:a16="http://schemas.microsoft.com/office/drawing/2014/main" xmlns="" id="{0B58D2EA-2191-4216-B64D-067BDFE12375}"/>
               </a:ext>
             </a:extLst>
           </p:cNvPr>
@@ -2896,7 +2897,7 @@
           <p:cNvPr id="6" name="Footer Placeholder 5">
             <a:extLst>
               <a:ext uri="{FF2B5EF4-FFF2-40B4-BE49-F238E27FC236}">
-                <a16:creationId xmlns:a16="http://schemas.microsoft.com/office/drawing/2014/main" id="{78042128-DAB4-481C-BEE6-3523E8E88BAD}"/>
+                <a16:creationId xmlns:a16="http://schemas.microsoft.com/office/drawing/2014/main" xmlns="" id="{78042128-DAB4-481C-BEE6-3523E8E88BAD}"/>
               </a:ext>
             </a:extLst>
           </p:cNvPr>
@@ -2921,7 +2922,7 @@
           <p:cNvPr id="7" name="Slide Number Placeholder 6">
             <a:extLst>
               <a:ext uri="{FF2B5EF4-FFF2-40B4-BE49-F238E27FC236}">
-                <a16:creationId xmlns:a16="http://schemas.microsoft.com/office/drawing/2014/main" id="{AE50E382-C500-4A4C-A7C6-43860383AB91}"/>
+                <a16:creationId xmlns:a16="http://schemas.microsoft.com/office/drawing/2014/main" xmlns="" id="{AE50E382-C500-4A4C-A7C6-43860383AB91}"/>
               </a:ext>
             </a:extLst>
           </p:cNvPr>
@@ -2980,7 +2981,7 @@
           <p:cNvPr id="2" name="Title 1">
             <a:extLst>
               <a:ext uri="{FF2B5EF4-FFF2-40B4-BE49-F238E27FC236}">
-                <a16:creationId xmlns:a16="http://schemas.microsoft.com/office/drawing/2014/main" id="{139FE98B-EACF-4251-A8AF-0D9EDD17C664}"/>
+                <a16:creationId xmlns:a16="http://schemas.microsoft.com/office/drawing/2014/main" xmlns="" id="{139FE98B-EACF-4251-A8AF-0D9EDD17C664}"/>
               </a:ext>
             </a:extLst>
           </p:cNvPr>
@@ -3018,7 +3019,7 @@
           <p:cNvPr id="3" name="Picture Placeholder 2">
             <a:extLst>
               <a:ext uri="{FF2B5EF4-FFF2-40B4-BE49-F238E27FC236}">
-                <a16:creationId xmlns:a16="http://schemas.microsoft.com/office/drawing/2014/main" id="{3905F473-761A-4002-AF70-9FF878D0139E}"/>
+                <a16:creationId xmlns:a16="http://schemas.microsoft.com/office/drawing/2014/main" xmlns="" id="{3905F473-761A-4002-AF70-9FF878D0139E}"/>
               </a:ext>
             </a:extLst>
           </p:cNvPr>
@@ -3089,7 +3090,7 @@
           <p:cNvPr id="4" name="Text Placeholder 3">
             <a:extLst>
               <a:ext uri="{FF2B5EF4-FFF2-40B4-BE49-F238E27FC236}">
-                <a16:creationId xmlns:a16="http://schemas.microsoft.com/office/drawing/2014/main" id="{FA0C2E6A-F834-4540-BB00-E13CB45DC362}"/>
+                <a16:creationId xmlns:a16="http://schemas.microsoft.com/office/drawing/2014/main" xmlns="" id="{FA0C2E6A-F834-4540-BB00-E13CB45DC362}"/>
               </a:ext>
             </a:extLst>
           </p:cNvPr>
@@ -3160,7 +3161,7 @@
           <p:cNvPr id="5" name="Date Placeholder 4">
             <a:extLst>
               <a:ext uri="{FF2B5EF4-FFF2-40B4-BE49-F238E27FC236}">
-                <a16:creationId xmlns:a16="http://schemas.microsoft.com/office/drawing/2014/main" id="{F0C38EAB-AD63-415C-B263-BA1D8FBE3CB0}"/>
+                <a16:creationId xmlns:a16="http://schemas.microsoft.com/office/drawing/2014/main" xmlns="" id="{F0C38EAB-AD63-415C-B263-BA1D8FBE3CB0}"/>
               </a:ext>
             </a:extLst>
           </p:cNvPr>
@@ -3189,7 +3190,7 @@
           <p:cNvPr id="6" name="Footer Placeholder 5">
             <a:extLst>
               <a:ext uri="{FF2B5EF4-FFF2-40B4-BE49-F238E27FC236}">
-                <a16:creationId xmlns:a16="http://schemas.microsoft.com/office/drawing/2014/main" id="{422E5541-B6DE-45E8-BCFE-0DFC4F574079}"/>
+                <a16:creationId xmlns:a16="http://schemas.microsoft.com/office/drawing/2014/main" xmlns="" id="{422E5541-B6DE-45E8-BCFE-0DFC4F574079}"/>
               </a:ext>
             </a:extLst>
           </p:cNvPr>
@@ -3214,7 +3215,7 @@
           <p:cNvPr id="7" name="Slide Number Placeholder 6">
             <a:extLst>
               <a:ext uri="{FF2B5EF4-FFF2-40B4-BE49-F238E27FC236}">
-                <a16:creationId xmlns:a16="http://schemas.microsoft.com/office/drawing/2014/main" id="{DBB78D45-289B-46AF-8CB9-E6150BEA17ED}"/>
+                <a16:creationId xmlns:a16="http://schemas.microsoft.com/office/drawing/2014/main" xmlns="" id="{DBB78D45-289B-46AF-8CB9-E6150BEA17ED}"/>
               </a:ext>
             </a:extLst>
           </p:cNvPr>
@@ -3278,7 +3279,7 @@
           <p:cNvPr id="2" name="Title Placeholder 1">
             <a:extLst>
               <a:ext uri="{FF2B5EF4-FFF2-40B4-BE49-F238E27FC236}">
-                <a16:creationId xmlns:a16="http://schemas.microsoft.com/office/drawing/2014/main" id="{47A362AC-B59F-4AC7-B279-57DDD5336BCA}"/>
+                <a16:creationId xmlns:a16="http://schemas.microsoft.com/office/drawing/2014/main" xmlns="" id="{47A362AC-B59F-4AC7-B279-57DDD5336BCA}"/>
               </a:ext>
             </a:extLst>
           </p:cNvPr>
@@ -3317,7 +3318,7 @@
           <p:cNvPr id="3" name="Text Placeholder 2">
             <a:extLst>
               <a:ext uri="{FF2B5EF4-FFF2-40B4-BE49-F238E27FC236}">
-                <a16:creationId xmlns:a16="http://schemas.microsoft.com/office/drawing/2014/main" id="{0E6042DB-75BD-4EC1-B6D9-8A72EF940CAA}"/>
+                <a16:creationId xmlns:a16="http://schemas.microsoft.com/office/drawing/2014/main" xmlns="" id="{0E6042DB-75BD-4EC1-B6D9-8A72EF940CAA}"/>
               </a:ext>
             </a:extLst>
           </p:cNvPr>
@@ -3385,7 +3386,7 @@
           <p:cNvPr id="4" name="Date Placeholder 3">
             <a:extLst>
               <a:ext uri="{FF2B5EF4-FFF2-40B4-BE49-F238E27FC236}">
-                <a16:creationId xmlns:a16="http://schemas.microsoft.com/office/drawing/2014/main" id="{21DD1378-7C96-4079-B44C-3D86B4657596}"/>
+                <a16:creationId xmlns:a16="http://schemas.microsoft.com/office/drawing/2014/main" xmlns="" id="{21DD1378-7C96-4079-B44C-3D86B4657596}"/>
               </a:ext>
             </a:extLst>
           </p:cNvPr>
@@ -3431,7 +3432,7 @@
           <p:cNvPr id="5" name="Footer Placeholder 4">
             <a:extLst>
               <a:ext uri="{FF2B5EF4-FFF2-40B4-BE49-F238E27FC236}">
-                <a16:creationId xmlns:a16="http://schemas.microsoft.com/office/drawing/2014/main" id="{D19B6B78-577F-43F5-BAEE-BF72484C9850}"/>
+                <a16:creationId xmlns:a16="http://schemas.microsoft.com/office/drawing/2014/main" xmlns="" id="{D19B6B78-577F-43F5-BAEE-BF72484C9850}"/>
               </a:ext>
             </a:extLst>
           </p:cNvPr>
@@ -3473,7 +3474,7 @@
           <p:cNvPr id="6" name="Slide Number Placeholder 5">
             <a:extLst>
               <a:ext uri="{FF2B5EF4-FFF2-40B4-BE49-F238E27FC236}">
-                <a16:creationId xmlns:a16="http://schemas.microsoft.com/office/drawing/2014/main" id="{A8CC75B8-AF8F-4D8A-9B3D-D1951A64BADB}"/>
+                <a16:creationId xmlns:a16="http://schemas.microsoft.com/office/drawing/2014/main" xmlns="" id="{A8CC75B8-AF8F-4D8A-9B3D-D1951A64BADB}"/>
               </a:ext>
             </a:extLst>
           </p:cNvPr>
@@ -3518,7 +3519,7 @@
           <p:cNvPr id="7" name="Straight Connector 6">
             <a:extLst>
               <a:ext uri="{FF2B5EF4-FFF2-40B4-BE49-F238E27FC236}">
-                <a16:creationId xmlns:a16="http://schemas.microsoft.com/office/drawing/2014/main" id="{F64F9B95-9045-48D2-B9F3-2927E98F54AA}"/>
+                <a16:creationId xmlns:a16="http://schemas.microsoft.com/office/drawing/2014/main" xmlns="" id="{F64F9B95-9045-48D2-B9F3-2927E98F54AA}"/>
               </a:ext>
             </a:extLst>
           </p:cNvPr>
@@ -3561,7 +3562,7 @@
           <p:cNvPr id="8" name="Straight Connector 7">
             <a:extLst>
               <a:ext uri="{FF2B5EF4-FFF2-40B4-BE49-F238E27FC236}">
-                <a16:creationId xmlns:a16="http://schemas.microsoft.com/office/drawing/2014/main" id="{085AA86F-6A4D-4BCB-A045-D992CDC2959B}"/>
+                <a16:creationId xmlns:a16="http://schemas.microsoft.com/office/drawing/2014/main" xmlns="" id="{085AA86F-6A4D-4BCB-A045-D992CDC2959B}"/>
               </a:ext>
             </a:extLst>
           </p:cNvPr>
@@ -3934,10 +3935,10 @@
           <p:cNvPr id="20" name="Rectangle 19">
             <a:extLst>
               <a:ext uri="{FF2B5EF4-FFF2-40B4-BE49-F238E27FC236}">
-                <a16:creationId xmlns:a16="http://schemas.microsoft.com/office/drawing/2014/main" id="{E49D7415-2F11-44C2-B6AA-13A25B6814B9}"/>
+                <a16:creationId xmlns:a16="http://schemas.microsoft.com/office/drawing/2014/main" xmlns="" id="{E49D7415-2F11-44C2-B6AA-13A25B6814B9}"/>
               </a:ext>
               <a:ext uri="{C183D7F6-B498-43B3-948B-1728B52AA6E4}">
-                <adec:decorative xmlns:adec="http://schemas.microsoft.com/office/drawing/2017/decorative" val="1"/>
+                <adec:decorative xmlns:adec="http://schemas.microsoft.com/office/drawing/2017/decorative" xmlns="" val="1"/>
               </a:ext>
             </a:extLst>
           </p:cNvPr>
@@ -3947,7 +3948,7 @@
           <p:nvPr>
             <p:extLst>
               <p:ext uri="{386F3935-93C4-4BCD-93E2-E3B085C9AB24}">
-                <p16:designElem xmlns:p16="http://schemas.microsoft.com/office/powerpoint/2015/main" val="1"/>
+                <p16:designElem xmlns:p16="http://schemas.microsoft.com/office/powerpoint/2015/main" xmlns="" val="1"/>
               </p:ext>
             </p:extLst>
           </p:nvPr>
@@ -4010,7 +4011,7 @@
           <p:cNvPr id="2" name="Title 1">
             <a:extLst>
               <a:ext uri="{FF2B5EF4-FFF2-40B4-BE49-F238E27FC236}">
-                <a16:creationId xmlns:a16="http://schemas.microsoft.com/office/drawing/2014/main" id="{277EC37F-B6C1-F905-6BEF-09073B003B29}"/>
+                <a16:creationId xmlns:a16="http://schemas.microsoft.com/office/drawing/2014/main" xmlns="" id="{277EC37F-B6C1-F905-6BEF-09073B003B29}"/>
               </a:ext>
             </a:extLst>
           </p:cNvPr>
@@ -4045,7 +4046,7 @@
           <p:cNvPr id="4" name="Content Placeholder 3" descr="A white and blue room with blue sky&#10;&#10;AI-generated content may be incorrect.">
             <a:extLst>
               <a:ext uri="{FF2B5EF4-FFF2-40B4-BE49-F238E27FC236}">
-                <a16:creationId xmlns:a16="http://schemas.microsoft.com/office/drawing/2014/main" id="{90A1A975-94E4-CF77-00AC-DA282AB2C7E0}"/>
+                <a16:creationId xmlns:a16="http://schemas.microsoft.com/office/drawing/2014/main" xmlns="" id="{90A1A975-94E4-CF77-00AC-DA282AB2C7E0}"/>
               </a:ext>
             </a:extLst>
           </p:cNvPr>
@@ -4078,10 +4079,10 @@
           <p:cNvPr id="22" name="Straight Connector 21">
             <a:extLst>
               <a:ext uri="{FF2B5EF4-FFF2-40B4-BE49-F238E27FC236}">
-                <a16:creationId xmlns:a16="http://schemas.microsoft.com/office/drawing/2014/main" id="{511FC409-B3C2-4F68-865C-C5333D6F2710}"/>
+                <a16:creationId xmlns:a16="http://schemas.microsoft.com/office/drawing/2014/main" xmlns="" id="{511FC409-B3C2-4F68-865C-C5333D6F2710}"/>
               </a:ext>
               <a:ext uri="{C183D7F6-B498-43B3-948B-1728B52AA6E4}">
-                <adec:decorative xmlns:adec="http://schemas.microsoft.com/office/drawing/2017/decorative" val="1"/>
+                <adec:decorative xmlns:adec="http://schemas.microsoft.com/office/drawing/2017/decorative" xmlns="" val="1"/>
               </a:ext>
             </a:extLst>
           </p:cNvPr>
@@ -4091,7 +4092,7 @@
           <p:nvPr>
             <p:extLst>
               <p:ext uri="{386F3935-93C4-4BCD-93E2-E3B085C9AB24}">
-                <p16:designElem xmlns:p16="http://schemas.microsoft.com/office/powerpoint/2015/main" val="1"/>
+                <p16:designElem xmlns:p16="http://schemas.microsoft.com/office/powerpoint/2015/main" xmlns="" val="1"/>
               </p:ext>
             </p:extLst>
           </p:nvPr>
@@ -4130,7 +4131,7 @@
           <p:cNvPr id="5" name="TextBox 4">
             <a:extLst>
               <a:ext uri="{FF2B5EF4-FFF2-40B4-BE49-F238E27FC236}">
-                <a16:creationId xmlns:a16="http://schemas.microsoft.com/office/drawing/2014/main" id="{5C3275C2-2001-8E3B-E0CB-39164C9D5CBC}"/>
+                <a16:creationId xmlns:a16="http://schemas.microsoft.com/office/drawing/2014/main" xmlns="" id="{5C3275C2-2001-8E3B-E0CB-39164C9D5CBC}"/>
               </a:ext>
             </a:extLst>
           </p:cNvPr>
@@ -4219,12 +4220,12 @@
               <a:buChar char="•"/>
             </a:pPr>
             <a:r>
-              <a:rPr lang="en-US" b="1" dirty="0"/>
+              <a:rPr lang="en-US" dirty="0"/>
               <a:t>Team Members</a:t>
             </a:r>
           </a:p>
           <a:p>
-            <a:pPr lvl="1" indent="-228600">
+            <a:pPr indent="-228600">
               <a:lnSpc>
                 <a:spcPct val="110000"/>
               </a:lnSpc>
@@ -4240,7 +4241,7 @@
             </a:r>
           </a:p>
           <a:p>
-            <a:pPr lvl="1" indent="-228600">
+            <a:pPr indent="-228600">
               <a:lnSpc>
                 <a:spcPct val="110000"/>
               </a:lnSpc>
@@ -4252,11 +4253,11 @@
             </a:pPr>
             <a:r>
               <a:rPr lang="en-US" dirty="0"/>
-              <a:t>Suneeta Vota</a:t>
-            </a:r>
-          </a:p>
-          <a:p>
-            <a:pPr lvl="1" indent="-228600">
+              <a:t>Nouman Mehar</a:t>
+            </a:r>
+          </a:p>
+          <a:p>
+            <a:pPr indent="-228600">
               <a:lnSpc>
                 <a:spcPct val="110000"/>
               </a:lnSpc>
@@ -4267,10 +4268,9 @@
               <a:buChar char="•"/>
             </a:pPr>
             <a:r>
-              <a:rPr lang="en-US"/>
-              <a:t>Nouman Mehar</a:t>
-            </a:r>
-            <a:endParaRPr lang="en-US" dirty="0"/>
+              <a:rPr lang="en-US" dirty="0"/>
+              <a:t>Suneeta Vota</a:t>
+            </a:r>
           </a:p>
         </p:txBody>
       </p:sp>
@@ -4279,10 +4279,10 @@
           <p:cNvPr id="24" name="Straight Connector 23">
             <a:extLst>
               <a:ext uri="{FF2B5EF4-FFF2-40B4-BE49-F238E27FC236}">
-                <a16:creationId xmlns:a16="http://schemas.microsoft.com/office/drawing/2014/main" id="{B810270D-76A7-44B3-9746-7EDF5788602E}"/>
+                <a16:creationId xmlns:a16="http://schemas.microsoft.com/office/drawing/2014/main" xmlns="" id="{B810270D-76A7-44B3-9746-7EDF5788602E}"/>
               </a:ext>
               <a:ext uri="{C183D7F6-B498-43B3-948B-1728B52AA6E4}">
-                <adec:decorative xmlns:adec="http://schemas.microsoft.com/office/drawing/2017/decorative" val="1"/>
+                <adec:decorative xmlns:adec="http://schemas.microsoft.com/office/drawing/2017/decorative" xmlns="" val="1"/>
               </a:ext>
             </a:extLst>
           </p:cNvPr>
@@ -4292,7 +4292,7 @@
           <p:nvPr>
             <p:extLst>
               <p:ext uri="{386F3935-93C4-4BCD-93E2-E3B085C9AB24}">
-                <p16:designElem xmlns:p16="http://schemas.microsoft.com/office/powerpoint/2015/main" val="1"/>
+                <p16:designElem xmlns:p16="http://schemas.microsoft.com/office/powerpoint/2015/main" xmlns="" val="1"/>
               </p:ext>
             </p:extLst>
           </p:nvPr>
@@ -4361,7 +4361,7 @@
           <p:cNvPr id="2" name="Picture 2">
             <a:extLst>
               <a:ext uri="{FF2B5EF4-FFF2-40B4-BE49-F238E27FC236}">
-                <a16:creationId xmlns:a16="http://schemas.microsoft.com/office/drawing/2014/main" id="{4EA31465-0127-E70C-D15D-2FB1D493E53A}"/>
+                <a16:creationId xmlns:a16="http://schemas.microsoft.com/office/drawing/2014/main" xmlns="" id="{4EA31465-0127-E70C-D15D-2FB1D493E53A}"/>
               </a:ext>
             </a:extLst>
           </p:cNvPr>
@@ -4395,7 +4395,7 @@
           <p:cNvPr id="3" name="TextBox 5">
             <a:extLst>
               <a:ext uri="{FF2B5EF4-FFF2-40B4-BE49-F238E27FC236}">
-                <a16:creationId xmlns:a16="http://schemas.microsoft.com/office/drawing/2014/main" id="{5F944BD2-2EDE-E8A3-B58C-AADE51D8ACBF}"/>
+                <a16:creationId xmlns:a16="http://schemas.microsoft.com/office/drawing/2014/main" xmlns="" id="{5F944BD2-2EDE-E8A3-B58C-AADE51D8ACBF}"/>
               </a:ext>
             </a:extLst>
           </p:cNvPr>
@@ -4490,7 +4490,7 @@
           <p:cNvPr id="2" name="Title 1">
             <a:extLst>
               <a:ext uri="{FF2B5EF4-FFF2-40B4-BE49-F238E27FC236}">
-                <a16:creationId xmlns:a16="http://schemas.microsoft.com/office/drawing/2014/main" id="{55DBFB25-53FE-A961-FE11-4212852C80A5}"/>
+                <a16:creationId xmlns:a16="http://schemas.microsoft.com/office/drawing/2014/main" xmlns="" id="{55DBFB25-53FE-A961-FE11-4212852C80A5}"/>
               </a:ext>
             </a:extLst>
           </p:cNvPr>
@@ -4515,7 +4515,7 @@
           <p:cNvPr id="3" name="Content Placeholder 2">
             <a:extLst>
               <a:ext uri="{FF2B5EF4-FFF2-40B4-BE49-F238E27FC236}">
-                <a16:creationId xmlns:a16="http://schemas.microsoft.com/office/drawing/2014/main" id="{F9AEA340-84A8-262F-803C-730110CD9C6C}"/>
+                <a16:creationId xmlns:a16="http://schemas.microsoft.com/office/drawing/2014/main" xmlns="" id="{F9AEA340-84A8-262F-803C-730110CD9C6C}"/>
               </a:ext>
             </a:extLst>
           </p:cNvPr>
@@ -4540,7 +4540,7 @@
           <p:cNvPr id="4" name="Content Placeholder 3" descr="A white and blue room with blue sky">
             <a:extLst>
               <a:ext uri="{FF2B5EF4-FFF2-40B4-BE49-F238E27FC236}">
-                <a16:creationId xmlns:a16="http://schemas.microsoft.com/office/drawing/2014/main" id="{448F9F36-17E7-0490-D145-01EF633F7A5C}"/>
+                <a16:creationId xmlns:a16="http://schemas.microsoft.com/office/drawing/2014/main" xmlns="" id="{448F9F36-17E7-0490-D145-01EF633F7A5C}"/>
               </a:ext>
             </a:extLst>
           </p:cNvPr>
@@ -4571,7 +4571,7 @@
           <p:cNvPr id="5" name="Title 1">
             <a:extLst>
               <a:ext uri="{FF2B5EF4-FFF2-40B4-BE49-F238E27FC236}">
-                <a16:creationId xmlns:a16="http://schemas.microsoft.com/office/drawing/2014/main" id="{8EEAFA36-2DE4-C27D-6EC9-BB70DE132DA5}"/>
+                <a16:creationId xmlns:a16="http://schemas.microsoft.com/office/drawing/2014/main" xmlns="" id="{8EEAFA36-2DE4-C27D-6EC9-BB70DE132DA5}"/>
               </a:ext>
             </a:extLst>
           </p:cNvPr>
@@ -4661,7 +4661,7 @@
           <p:cNvPr id="2" name="Picture 2">
             <a:extLst>
               <a:ext uri="{FF2B5EF4-FFF2-40B4-BE49-F238E27FC236}">
-                <a16:creationId xmlns:a16="http://schemas.microsoft.com/office/drawing/2014/main" id="{E278691A-8375-70EB-C30F-024166CB8A2E}"/>
+                <a16:creationId xmlns:a16="http://schemas.microsoft.com/office/drawing/2014/main" xmlns="" id="{E278691A-8375-70EB-C30F-024166CB8A2E}"/>
               </a:ext>
             </a:extLst>
           </p:cNvPr>
@@ -4695,7 +4695,7 @@
           <p:cNvPr id="3" name="TextBox 4">
             <a:extLst>
               <a:ext uri="{FF2B5EF4-FFF2-40B4-BE49-F238E27FC236}">
-                <a16:creationId xmlns:a16="http://schemas.microsoft.com/office/drawing/2014/main" id="{7846ADEF-AA8E-D769-293C-CE025E4B3837}"/>
+                <a16:creationId xmlns:a16="http://schemas.microsoft.com/office/drawing/2014/main" xmlns="" id="{7846ADEF-AA8E-D769-293C-CE025E4B3837}"/>
               </a:ext>
             </a:extLst>
           </p:cNvPr>
@@ -4758,7 +4758,7 @@
           <p:cNvPr id="4" name="TextBox 5">
             <a:extLst>
               <a:ext uri="{FF2B5EF4-FFF2-40B4-BE49-F238E27FC236}">
-                <a16:creationId xmlns:a16="http://schemas.microsoft.com/office/drawing/2014/main" id="{F681A6A6-154B-B19C-948D-08069E3E5392}"/>
+                <a16:creationId xmlns:a16="http://schemas.microsoft.com/office/drawing/2014/main" xmlns="" id="{F681A6A6-154B-B19C-948D-08069E3E5392}"/>
               </a:ext>
             </a:extLst>
           </p:cNvPr>
@@ -4828,7 +4828,7 @@
           <p:cNvPr id="5" name="TextBox 7">
             <a:extLst>
               <a:ext uri="{FF2B5EF4-FFF2-40B4-BE49-F238E27FC236}">
-                <a16:creationId xmlns:a16="http://schemas.microsoft.com/office/drawing/2014/main" id="{33E49B45-3095-BB3B-3E32-89F2A55A6017}"/>
+                <a16:creationId xmlns:a16="http://schemas.microsoft.com/office/drawing/2014/main" xmlns="" id="{33E49B45-3095-BB3B-3E32-89F2A55A6017}"/>
               </a:ext>
             </a:extLst>
           </p:cNvPr>
@@ -5259,7 +5259,7 @@
                 <a:ea typeface="Calibri" pitchFamily="34"/>
                 <a:cs typeface="Times New Roman" pitchFamily="18"/>
               </a:rPr>
-              <a:t> (which usually gives a low AP)</a:t>
+              <a:t> (which usually gives a low AP</a:t>
             </a:r>
             <a:r>
               <a:rPr lang="en-GB" sz="1600" dirty="0">
@@ -5366,7 +5366,7 @@
           <p:cNvPr id="2" name="Picture 2">
             <a:extLst>
               <a:ext uri="{FF2B5EF4-FFF2-40B4-BE49-F238E27FC236}">
-                <a16:creationId xmlns:a16="http://schemas.microsoft.com/office/drawing/2014/main" id="{A73A8EF3-6A64-A9AB-2FD6-C693D1D66A8A}"/>
+                <a16:creationId xmlns:a16="http://schemas.microsoft.com/office/drawing/2014/main" xmlns="" id="{A73A8EF3-6A64-A9AB-2FD6-C693D1D66A8A}"/>
               </a:ext>
             </a:extLst>
           </p:cNvPr>
@@ -5400,7 +5400,7 @@
           <p:cNvPr id="3" name="TextBox 4">
             <a:extLst>
               <a:ext uri="{FF2B5EF4-FFF2-40B4-BE49-F238E27FC236}">
-                <a16:creationId xmlns:a16="http://schemas.microsoft.com/office/drawing/2014/main" id="{29782FD8-4AE9-68DB-6353-1A73D194FE26}"/>
+                <a16:creationId xmlns:a16="http://schemas.microsoft.com/office/drawing/2014/main" xmlns="" id="{29782FD8-4AE9-68DB-6353-1A73D194FE26}"/>
               </a:ext>
             </a:extLst>
           </p:cNvPr>
@@ -5480,7 +5480,7 @@
           <p:cNvPr id="4" name="TextBox 5">
             <a:extLst>
               <a:ext uri="{FF2B5EF4-FFF2-40B4-BE49-F238E27FC236}">
-                <a16:creationId xmlns:a16="http://schemas.microsoft.com/office/drawing/2014/main" id="{30EC125B-B3EC-BDF0-1106-15150DB03AF8}"/>
+                <a16:creationId xmlns:a16="http://schemas.microsoft.com/office/drawing/2014/main" xmlns="" id="{30EC125B-B3EC-BDF0-1106-15150DB03AF8}"/>
               </a:ext>
             </a:extLst>
           </p:cNvPr>
@@ -5550,7 +5550,7 @@
           <p:cNvPr id="5" name="TextBox 6">
             <a:extLst>
               <a:ext uri="{FF2B5EF4-FFF2-40B4-BE49-F238E27FC236}">
-                <a16:creationId xmlns:a16="http://schemas.microsoft.com/office/drawing/2014/main" id="{0AE21326-6644-236F-4F94-09C0604DCFF6}"/>
+                <a16:creationId xmlns:a16="http://schemas.microsoft.com/office/drawing/2014/main" xmlns="" id="{0AE21326-6644-236F-4F94-09C0604DCFF6}"/>
               </a:ext>
             </a:extLst>
           </p:cNvPr>
@@ -6031,7 +6031,7 @@
           <p:cNvPr id="2" name="Picture 2">
             <a:extLst>
               <a:ext uri="{FF2B5EF4-FFF2-40B4-BE49-F238E27FC236}">
-                <a16:creationId xmlns:a16="http://schemas.microsoft.com/office/drawing/2014/main" id="{F38A3F91-4518-CB1B-9080-06AAA56F6E1C}"/>
+                <a16:creationId xmlns:a16="http://schemas.microsoft.com/office/drawing/2014/main" xmlns="" id="{F38A3F91-4518-CB1B-9080-06AAA56F6E1C}"/>
               </a:ext>
             </a:extLst>
           </p:cNvPr>
@@ -6065,7 +6065,7 @@
           <p:cNvPr id="3" name="TextBox 4">
             <a:extLst>
               <a:ext uri="{FF2B5EF4-FFF2-40B4-BE49-F238E27FC236}">
-                <a16:creationId xmlns:a16="http://schemas.microsoft.com/office/drawing/2014/main" id="{3D697FC4-89A9-F9C2-CBB5-E619119D85DC}"/>
+                <a16:creationId xmlns:a16="http://schemas.microsoft.com/office/drawing/2014/main" xmlns="" id="{3D697FC4-89A9-F9C2-CBB5-E619119D85DC}"/>
               </a:ext>
             </a:extLst>
           </p:cNvPr>
@@ -6128,7 +6128,7 @@
           <p:cNvPr id="4" name="TextBox 5">
             <a:extLst>
               <a:ext uri="{FF2B5EF4-FFF2-40B4-BE49-F238E27FC236}">
-                <a16:creationId xmlns:a16="http://schemas.microsoft.com/office/drawing/2014/main" id="{8DCB13C0-A3F6-5395-2454-FE3854A7B7FE}"/>
+                <a16:creationId xmlns:a16="http://schemas.microsoft.com/office/drawing/2014/main" xmlns="" id="{8DCB13C0-A3F6-5395-2454-FE3854A7B7FE}"/>
               </a:ext>
             </a:extLst>
           </p:cNvPr>
@@ -6198,7 +6198,7 @@
           <p:cNvPr id="5" name="TextBox 11">
             <a:extLst>
               <a:ext uri="{FF2B5EF4-FFF2-40B4-BE49-F238E27FC236}">
-                <a16:creationId xmlns:a16="http://schemas.microsoft.com/office/drawing/2014/main" id="{07449290-1619-60BC-FBE4-8C766332C92E}"/>
+                <a16:creationId xmlns:a16="http://schemas.microsoft.com/office/drawing/2014/main" xmlns="" id="{07449290-1619-60BC-FBE4-8C766332C92E}"/>
               </a:ext>
             </a:extLst>
           </p:cNvPr>
@@ -6600,7 +6600,7 @@
           <p:cNvPr id="2" name="Title 1">
             <a:extLst>
               <a:ext uri="{FF2B5EF4-FFF2-40B4-BE49-F238E27FC236}">
-                <a16:creationId xmlns:a16="http://schemas.microsoft.com/office/drawing/2014/main" id="{2E11CE79-F219-E651-B5DE-62D244AA8006}"/>
+                <a16:creationId xmlns:a16="http://schemas.microsoft.com/office/drawing/2014/main" xmlns="" id="{2E11CE79-F219-E651-B5DE-62D244AA8006}"/>
               </a:ext>
             </a:extLst>
           </p:cNvPr>
@@ -6625,7 +6625,7 @@
           <p:cNvPr id="3" name="Content Placeholder 2">
             <a:extLst>
               <a:ext uri="{FF2B5EF4-FFF2-40B4-BE49-F238E27FC236}">
-                <a16:creationId xmlns:a16="http://schemas.microsoft.com/office/drawing/2014/main" id="{136FE663-13C8-AB1D-4558-34B22AC01E45}"/>
+                <a16:creationId xmlns:a16="http://schemas.microsoft.com/office/drawing/2014/main" xmlns="" id="{136FE663-13C8-AB1D-4558-34B22AC01E45}"/>
               </a:ext>
             </a:extLst>
           </p:cNvPr>
@@ -6650,7 +6650,7 @@
           <p:cNvPr id="4" name="Content Placeholder 3" descr="A white and blue room with blue sky">
             <a:extLst>
               <a:ext uri="{FF2B5EF4-FFF2-40B4-BE49-F238E27FC236}">
-                <a16:creationId xmlns:a16="http://schemas.microsoft.com/office/drawing/2014/main" id="{17D1B801-6E05-14F8-7444-881FF9CA677A}"/>
+                <a16:creationId xmlns:a16="http://schemas.microsoft.com/office/drawing/2014/main" xmlns="" id="{17D1B801-6E05-14F8-7444-881FF9CA677A}"/>
               </a:ext>
             </a:extLst>
           </p:cNvPr>
@@ -6681,7 +6681,7 @@
           <p:cNvPr id="5" name="Title 1">
             <a:extLst>
               <a:ext uri="{FF2B5EF4-FFF2-40B4-BE49-F238E27FC236}">
-                <a16:creationId xmlns:a16="http://schemas.microsoft.com/office/drawing/2014/main" id="{6C5B2DDB-8E1A-2DA9-54B1-3E3C8B72A989}"/>
+                <a16:creationId xmlns:a16="http://schemas.microsoft.com/office/drawing/2014/main" xmlns="" id="{6C5B2DDB-8E1A-2DA9-54B1-3E3C8B72A989}"/>
               </a:ext>
             </a:extLst>
           </p:cNvPr>
@@ -6771,7 +6771,7 @@
           <p:cNvPr id="2" name="Picture 2">
             <a:extLst>
               <a:ext uri="{FF2B5EF4-FFF2-40B4-BE49-F238E27FC236}">
-                <a16:creationId xmlns:a16="http://schemas.microsoft.com/office/drawing/2014/main" id="{09D3B0F3-3C36-E86F-8F2D-7D3D97A4EBF2}"/>
+                <a16:creationId xmlns:a16="http://schemas.microsoft.com/office/drawing/2014/main" xmlns="" id="{09D3B0F3-3C36-E86F-8F2D-7D3D97A4EBF2}"/>
               </a:ext>
             </a:extLst>
           </p:cNvPr>
@@ -6805,7 +6805,7 @@
           <p:cNvPr id="3" name="TextBox 4">
             <a:extLst>
               <a:ext uri="{FF2B5EF4-FFF2-40B4-BE49-F238E27FC236}">
-                <a16:creationId xmlns:a16="http://schemas.microsoft.com/office/drawing/2014/main" id="{1C3DF4B1-64D7-182B-D5E0-747D9A8B1C1B}"/>
+                <a16:creationId xmlns:a16="http://schemas.microsoft.com/office/drawing/2014/main" xmlns="" id="{1C3DF4B1-64D7-182B-D5E0-747D9A8B1C1B}"/>
               </a:ext>
             </a:extLst>
           </p:cNvPr>
@@ -6868,7 +6868,7 @@
           <p:cNvPr id="4" name="TextBox 5">
             <a:extLst>
               <a:ext uri="{FF2B5EF4-FFF2-40B4-BE49-F238E27FC236}">
-                <a16:creationId xmlns:a16="http://schemas.microsoft.com/office/drawing/2014/main" id="{7C35B499-91E3-78DD-1935-716353960D37}"/>
+                <a16:creationId xmlns:a16="http://schemas.microsoft.com/office/drawing/2014/main" xmlns="" id="{7C35B499-91E3-78DD-1935-716353960D37}"/>
               </a:ext>
             </a:extLst>
           </p:cNvPr>
@@ -6931,7 +6931,7 @@
           <p:cNvPr id="5" name="TextBox 6">
             <a:extLst>
               <a:ext uri="{FF2B5EF4-FFF2-40B4-BE49-F238E27FC236}">
-                <a16:creationId xmlns:a16="http://schemas.microsoft.com/office/drawing/2014/main" id="{FE76DC0E-7091-A45A-1664-9B8058AF516B}"/>
+                <a16:creationId xmlns:a16="http://schemas.microsoft.com/office/drawing/2014/main" xmlns="" id="{FE76DC0E-7091-A45A-1664-9B8058AF516B}"/>
               </a:ext>
             </a:extLst>
           </p:cNvPr>
@@ -7332,7 +7332,7 @@
           <p:cNvPr id="2" name="Picture 2">
             <a:extLst>
               <a:ext uri="{FF2B5EF4-FFF2-40B4-BE49-F238E27FC236}">
-                <a16:creationId xmlns:a16="http://schemas.microsoft.com/office/drawing/2014/main" id="{E2FDA3A6-5088-2F61-6238-CB0375D8C60D}"/>
+                <a16:creationId xmlns:a16="http://schemas.microsoft.com/office/drawing/2014/main" xmlns="" id="{E2FDA3A6-5088-2F61-6238-CB0375D8C60D}"/>
               </a:ext>
             </a:extLst>
           </p:cNvPr>
@@ -7366,7 +7366,7 @@
           <p:cNvPr id="3" name="TextBox 4">
             <a:extLst>
               <a:ext uri="{FF2B5EF4-FFF2-40B4-BE49-F238E27FC236}">
-                <a16:creationId xmlns:a16="http://schemas.microsoft.com/office/drawing/2014/main" id="{340C908C-0185-358B-B560-5DFEB58C8585}"/>
+                <a16:creationId xmlns:a16="http://schemas.microsoft.com/office/drawing/2014/main" xmlns="" id="{340C908C-0185-358B-B560-5DFEB58C8585}"/>
               </a:ext>
             </a:extLst>
           </p:cNvPr>
@@ -7446,7 +7446,7 @@
           <p:cNvPr id="4" name="TextBox 5">
             <a:extLst>
               <a:ext uri="{FF2B5EF4-FFF2-40B4-BE49-F238E27FC236}">
-                <a16:creationId xmlns:a16="http://schemas.microsoft.com/office/drawing/2014/main" id="{79626E3E-68EB-EF1B-91E1-21516B9CEAAC}"/>
+                <a16:creationId xmlns:a16="http://schemas.microsoft.com/office/drawing/2014/main" xmlns="" id="{79626E3E-68EB-EF1B-91E1-21516B9CEAAC}"/>
               </a:ext>
             </a:extLst>
           </p:cNvPr>
@@ -7509,7 +7509,7 @@
           <p:cNvPr id="5" name="TextBox 6">
             <a:extLst>
               <a:ext uri="{FF2B5EF4-FFF2-40B4-BE49-F238E27FC236}">
-                <a16:creationId xmlns:a16="http://schemas.microsoft.com/office/drawing/2014/main" id="{C49C8924-E8F7-6954-9F4F-12E082B8CD2E}"/>
+                <a16:creationId xmlns:a16="http://schemas.microsoft.com/office/drawing/2014/main" xmlns="" id="{C49C8924-E8F7-6954-9F4F-12E082B8CD2E}"/>
               </a:ext>
             </a:extLst>
           </p:cNvPr>
@@ -7990,7 +7990,7 @@
           <p:cNvPr id="2" name="Picture 2">
             <a:extLst>
               <a:ext uri="{FF2B5EF4-FFF2-40B4-BE49-F238E27FC236}">
-                <a16:creationId xmlns:a16="http://schemas.microsoft.com/office/drawing/2014/main" id="{E387E5F2-1392-74A5-155F-1BEB16D27FA1}"/>
+                <a16:creationId xmlns:a16="http://schemas.microsoft.com/office/drawing/2014/main" xmlns="" id="{E387E5F2-1392-74A5-155F-1BEB16D27FA1}"/>
               </a:ext>
             </a:extLst>
           </p:cNvPr>
@@ -8024,7 +8024,7 @@
           <p:cNvPr id="3" name="TextBox 4">
             <a:extLst>
               <a:ext uri="{FF2B5EF4-FFF2-40B4-BE49-F238E27FC236}">
-                <a16:creationId xmlns:a16="http://schemas.microsoft.com/office/drawing/2014/main" id="{C3413D41-8DDB-86DC-5FF4-3724DC64D176}"/>
+                <a16:creationId xmlns:a16="http://schemas.microsoft.com/office/drawing/2014/main" xmlns="" id="{C3413D41-8DDB-86DC-5FF4-3724DC64D176}"/>
               </a:ext>
             </a:extLst>
           </p:cNvPr>
@@ -8087,7 +8087,7 @@
           <p:cNvPr id="4" name="TextBox 5">
             <a:extLst>
               <a:ext uri="{FF2B5EF4-FFF2-40B4-BE49-F238E27FC236}">
-                <a16:creationId xmlns:a16="http://schemas.microsoft.com/office/drawing/2014/main" id="{2AA88E7D-1939-78A6-CA94-D295DF7A83EB}"/>
+                <a16:creationId xmlns:a16="http://schemas.microsoft.com/office/drawing/2014/main" xmlns="" id="{2AA88E7D-1939-78A6-CA94-D295DF7A83EB}"/>
               </a:ext>
             </a:extLst>
           </p:cNvPr>
@@ -8150,7 +8150,7 @@
           <p:cNvPr id="5" name="TextBox 7">
             <a:extLst>
               <a:ext uri="{FF2B5EF4-FFF2-40B4-BE49-F238E27FC236}">
-                <a16:creationId xmlns:a16="http://schemas.microsoft.com/office/drawing/2014/main" id="{CAA08D7C-661C-F9E9-91EE-5CBD92F8A542}"/>
+                <a16:creationId xmlns:a16="http://schemas.microsoft.com/office/drawing/2014/main" xmlns="" id="{CAA08D7C-661C-F9E9-91EE-5CBD92F8A542}"/>
               </a:ext>
             </a:extLst>
           </p:cNvPr>
@@ -8567,7 +8567,7 @@
           <p:cNvPr id="2" name="Picture 2">
             <a:extLst>
               <a:ext uri="{FF2B5EF4-FFF2-40B4-BE49-F238E27FC236}">
-                <a16:creationId xmlns:a16="http://schemas.microsoft.com/office/drawing/2014/main" id="{5A87A726-33BA-1475-C9FE-0E0411556889}"/>
+                <a16:creationId xmlns:a16="http://schemas.microsoft.com/office/drawing/2014/main" xmlns="" id="{5A87A726-33BA-1475-C9FE-0E0411556889}"/>
               </a:ext>
             </a:extLst>
           </p:cNvPr>
@@ -8601,7 +8601,7 @@
           <p:cNvPr id="3" name="TextBox 4">
             <a:extLst>
               <a:ext uri="{FF2B5EF4-FFF2-40B4-BE49-F238E27FC236}">
-                <a16:creationId xmlns:a16="http://schemas.microsoft.com/office/drawing/2014/main" id="{7CEBB9AC-80F2-4B9F-C6EA-8F48AFC93CE8}"/>
+                <a16:creationId xmlns:a16="http://schemas.microsoft.com/office/drawing/2014/main" xmlns="" id="{7CEBB9AC-80F2-4B9F-C6EA-8F48AFC93CE8}"/>
               </a:ext>
             </a:extLst>
           </p:cNvPr>
@@ -8664,7 +8664,7 @@
           <p:cNvPr id="4" name="TextBox 5">
             <a:extLst>
               <a:ext uri="{FF2B5EF4-FFF2-40B4-BE49-F238E27FC236}">
-                <a16:creationId xmlns:a16="http://schemas.microsoft.com/office/drawing/2014/main" id="{735E0AF6-850F-D8CC-AEC8-9DAE2FB6019B}"/>
+                <a16:creationId xmlns:a16="http://schemas.microsoft.com/office/drawing/2014/main" xmlns="" id="{735E0AF6-850F-D8CC-AEC8-9DAE2FB6019B}"/>
               </a:ext>
             </a:extLst>
           </p:cNvPr>
@@ -8727,7 +8727,7 @@
           <p:cNvPr id="5" name="TextBox 8">
             <a:extLst>
               <a:ext uri="{FF2B5EF4-FFF2-40B4-BE49-F238E27FC236}">
-                <a16:creationId xmlns:a16="http://schemas.microsoft.com/office/drawing/2014/main" id="{EA17D7C2-5139-37BE-4929-4D80A1E60B76}"/>
+                <a16:creationId xmlns:a16="http://schemas.microsoft.com/office/drawing/2014/main" xmlns="" id="{EA17D7C2-5139-37BE-4929-4D80A1E60B76}"/>
               </a:ext>
             </a:extLst>
           </p:cNvPr>
@@ -9021,10 +9021,10 @@
           <p:cNvPr id="9" name="Rectangle 8">
             <a:extLst>
               <a:ext uri="{FF2B5EF4-FFF2-40B4-BE49-F238E27FC236}">
-                <a16:creationId xmlns:a16="http://schemas.microsoft.com/office/drawing/2014/main" id="{80B98925-0550-1AFB-C1DC-02792400FB71}"/>
+                <a16:creationId xmlns:a16="http://schemas.microsoft.com/office/drawing/2014/main" xmlns="" id="{80B98925-0550-1AFB-C1DC-02792400FB71}"/>
               </a:ext>
               <a:ext uri="{C183D7F6-B498-43B3-948B-1728B52AA6E4}">
-                <adec:decorative xmlns:adec="http://schemas.microsoft.com/office/drawing/2017/decorative" val="1"/>
+                <adec:decorative xmlns:adec="http://schemas.microsoft.com/office/drawing/2017/decorative" xmlns="" val="1"/>
               </a:ext>
             </a:extLst>
           </p:cNvPr>
@@ -9034,7 +9034,7 @@
           <p:nvPr>
             <p:extLst>
               <p:ext uri="{386F3935-93C4-4BCD-93E2-E3B085C9AB24}">
-                <p16:designElem xmlns:p16="http://schemas.microsoft.com/office/powerpoint/2015/main" val="1"/>
+                <p16:designElem xmlns:p16="http://schemas.microsoft.com/office/powerpoint/2015/main" xmlns="" val="1"/>
               </p:ext>
             </p:extLst>
           </p:nvPr>
@@ -9129,7 +9129,7 @@
           <p:cNvPr id="4" name="Picture 3" descr="A white and blue room with blue sky&#10;&#10;AI-generated content may be incorrect.">
             <a:extLst>
               <a:ext uri="{FF2B5EF4-FFF2-40B4-BE49-F238E27FC236}">
-                <a16:creationId xmlns:a16="http://schemas.microsoft.com/office/drawing/2014/main" id="{36CE6427-7899-688F-3128-1CE9BF0EC21E}"/>
+                <a16:creationId xmlns:a16="http://schemas.microsoft.com/office/drawing/2014/main" xmlns="" id="{36CE6427-7899-688F-3128-1CE9BF0EC21E}"/>
               </a:ext>
             </a:extLst>
           </p:cNvPr>
@@ -9160,10 +9160,10 @@
           <p:cNvPr id="11" name="Rectangle 10">
             <a:extLst>
               <a:ext uri="{FF2B5EF4-FFF2-40B4-BE49-F238E27FC236}">
-                <a16:creationId xmlns:a16="http://schemas.microsoft.com/office/drawing/2014/main" id="{0CCA9273-E74E-A306-1F74-BEF9EDA30500}"/>
+                <a16:creationId xmlns:a16="http://schemas.microsoft.com/office/drawing/2014/main" xmlns="" id="{0CCA9273-E74E-A306-1F74-BEF9EDA30500}"/>
               </a:ext>
               <a:ext uri="{C183D7F6-B498-43B3-948B-1728B52AA6E4}">
-                <adec:decorative xmlns:adec="http://schemas.microsoft.com/office/drawing/2017/decorative" val="1"/>
+                <adec:decorative xmlns:adec="http://schemas.microsoft.com/office/drawing/2017/decorative" xmlns="" val="1"/>
               </a:ext>
             </a:extLst>
           </p:cNvPr>
@@ -9173,7 +9173,7 @@
           <p:nvPr>
             <p:extLst>
               <p:ext uri="{386F3935-93C4-4BCD-93E2-E3B085C9AB24}">
-                <p16:designElem xmlns:p16="http://schemas.microsoft.com/office/powerpoint/2015/main" val="1"/>
+                <p16:designElem xmlns:p16="http://schemas.microsoft.com/office/powerpoint/2015/main" xmlns="" val="1"/>
               </p:ext>
             </p:extLst>
           </p:nvPr>
@@ -9269,7 +9269,7 @@
           <p:cNvPr id="2" name="Title 1">
             <a:extLst>
               <a:ext uri="{FF2B5EF4-FFF2-40B4-BE49-F238E27FC236}">
-                <a16:creationId xmlns:a16="http://schemas.microsoft.com/office/drawing/2014/main" id="{CEC4E630-4580-706E-FD4B-475362D26051}"/>
+                <a16:creationId xmlns:a16="http://schemas.microsoft.com/office/drawing/2014/main" xmlns="" id="{CEC4E630-4580-706E-FD4B-475362D26051}"/>
               </a:ext>
             </a:extLst>
           </p:cNvPr>
@@ -9288,7 +9288,7 @@
         </p:spPr>
         <p:txBody>
           <a:bodyPr anchor="ctr">
-            <a:normAutofit/>
+            <a:normAutofit fontScale="90000"/>
           </a:bodyPr>
           <a:lstStyle/>
           <a:p>
@@ -9304,7 +9304,7 @@
           <p:cNvPr id="6" name="TextBox 5">
             <a:extLst>
               <a:ext uri="{FF2B5EF4-FFF2-40B4-BE49-F238E27FC236}">
-                <a16:creationId xmlns:a16="http://schemas.microsoft.com/office/drawing/2014/main" id="{136059E5-3263-14F5-C9FE-3F6C3E0B5C53}"/>
+                <a16:creationId xmlns:a16="http://schemas.microsoft.com/office/drawing/2014/main" xmlns="" id="{136059E5-3263-14F5-C9FE-3F6C3E0B5C53}"/>
               </a:ext>
             </a:extLst>
           </p:cNvPr>
@@ -9433,7 +9433,7 @@
           <p:cNvPr id="2" name="Picture 2">
             <a:extLst>
               <a:ext uri="{FF2B5EF4-FFF2-40B4-BE49-F238E27FC236}">
-                <a16:creationId xmlns:a16="http://schemas.microsoft.com/office/drawing/2014/main" id="{68CD77F6-B597-0F67-74F2-30588F946086}"/>
+                <a16:creationId xmlns:a16="http://schemas.microsoft.com/office/drawing/2014/main" xmlns="" id="{68CD77F6-B597-0F67-74F2-30588F946086}"/>
               </a:ext>
             </a:extLst>
           </p:cNvPr>
@@ -9467,7 +9467,7 @@
           <p:cNvPr id="3" name="TextBox 4">
             <a:extLst>
               <a:ext uri="{FF2B5EF4-FFF2-40B4-BE49-F238E27FC236}">
-                <a16:creationId xmlns:a16="http://schemas.microsoft.com/office/drawing/2014/main" id="{ACEB761E-ED72-BE99-D249-6C85EA3911D8}"/>
+                <a16:creationId xmlns:a16="http://schemas.microsoft.com/office/drawing/2014/main" xmlns="" id="{ACEB761E-ED72-BE99-D249-6C85EA3911D8}"/>
               </a:ext>
             </a:extLst>
           </p:cNvPr>
@@ -9530,7 +9530,7 @@
           <p:cNvPr id="4" name="TextBox 5">
             <a:extLst>
               <a:ext uri="{FF2B5EF4-FFF2-40B4-BE49-F238E27FC236}">
-                <a16:creationId xmlns:a16="http://schemas.microsoft.com/office/drawing/2014/main" id="{235DB11C-ED42-1D9F-395A-1A015A2E3D00}"/>
+                <a16:creationId xmlns:a16="http://schemas.microsoft.com/office/drawing/2014/main" xmlns="" id="{235DB11C-ED42-1D9F-395A-1A015A2E3D00}"/>
               </a:ext>
             </a:extLst>
           </p:cNvPr>
@@ -9593,7 +9593,7 @@
           <p:cNvPr id="5" name="TextBox 4">
             <a:extLst>
               <a:ext uri="{FF2B5EF4-FFF2-40B4-BE49-F238E27FC236}">
-                <a16:creationId xmlns:a16="http://schemas.microsoft.com/office/drawing/2014/main" id="{9D963EDA-96BD-F0DE-CA30-980A3B593E4F}"/>
+                <a16:creationId xmlns:a16="http://schemas.microsoft.com/office/drawing/2014/main" xmlns="" id="{9D963EDA-96BD-F0DE-CA30-980A3B593E4F}"/>
               </a:ext>
             </a:extLst>
           </p:cNvPr>
@@ -10189,7 +10189,7 @@
         <p:cNvPr id="1" name="">
           <a:extLst>
             <a:ext uri="{FF2B5EF4-FFF2-40B4-BE49-F238E27FC236}">
-              <a16:creationId xmlns:a16="http://schemas.microsoft.com/office/drawing/2014/main" id="{084C9323-919E-6193-0A5A-1D4DD624ABA6}"/>
+              <a16:creationId xmlns:a16="http://schemas.microsoft.com/office/drawing/2014/main" xmlns="" id="{084C9323-919E-6193-0A5A-1D4DD624ABA6}"/>
             </a:ext>
           </a:extLst>
         </p:cNvPr>
@@ -10209,7 +10209,7 @@
           <p:cNvPr id="2" name="Title 1">
             <a:extLst>
               <a:ext uri="{FF2B5EF4-FFF2-40B4-BE49-F238E27FC236}">
-                <a16:creationId xmlns:a16="http://schemas.microsoft.com/office/drawing/2014/main" id="{03142958-8F0A-E58D-8029-57E585E81158}"/>
+                <a16:creationId xmlns:a16="http://schemas.microsoft.com/office/drawing/2014/main" xmlns="" id="{03142958-8F0A-E58D-8029-57E585E81158}"/>
               </a:ext>
             </a:extLst>
           </p:cNvPr>
@@ -10234,7 +10234,7 @@
           <p:cNvPr id="3" name="Content Placeholder 2">
             <a:extLst>
               <a:ext uri="{FF2B5EF4-FFF2-40B4-BE49-F238E27FC236}">
-                <a16:creationId xmlns:a16="http://schemas.microsoft.com/office/drawing/2014/main" id="{DC01E0BA-A776-F01D-CDB4-8626DAB7E3B4}"/>
+                <a16:creationId xmlns:a16="http://schemas.microsoft.com/office/drawing/2014/main" xmlns="" id="{DC01E0BA-A776-F01D-CDB4-8626DAB7E3B4}"/>
               </a:ext>
             </a:extLst>
           </p:cNvPr>
@@ -10259,7 +10259,7 @@
           <p:cNvPr id="4" name="Content Placeholder 3" descr="A white and blue room with blue sky">
             <a:extLst>
               <a:ext uri="{FF2B5EF4-FFF2-40B4-BE49-F238E27FC236}">
-                <a16:creationId xmlns:a16="http://schemas.microsoft.com/office/drawing/2014/main" id="{994F0712-BD2B-4884-0DF1-D1F8EF94597A}"/>
+                <a16:creationId xmlns:a16="http://schemas.microsoft.com/office/drawing/2014/main" xmlns="" id="{994F0712-BD2B-4884-0DF1-D1F8EF94597A}"/>
               </a:ext>
             </a:extLst>
           </p:cNvPr>
@@ -10290,7 +10290,7 @@
           <p:cNvPr id="5" name="Title 1">
             <a:extLst>
               <a:ext uri="{FF2B5EF4-FFF2-40B4-BE49-F238E27FC236}">
-                <a16:creationId xmlns:a16="http://schemas.microsoft.com/office/drawing/2014/main" id="{EF635E8C-00B4-3E85-4ECF-8C6A760D2264}"/>
+                <a16:creationId xmlns:a16="http://schemas.microsoft.com/office/drawing/2014/main" xmlns="" id="{EF635E8C-00B4-3E85-4ECF-8C6A760D2264}"/>
               </a:ext>
             </a:extLst>
           </p:cNvPr>
@@ -10377,7 +10377,7 @@
           <p:cNvPr id="3" name="Picture 2">
             <a:extLst>
               <a:ext uri="{FF2B5EF4-FFF2-40B4-BE49-F238E27FC236}">
-                <a16:creationId xmlns:a16="http://schemas.microsoft.com/office/drawing/2014/main" id="{A0692EEF-6B80-F034-965F-A310B9220125}"/>
+                <a16:creationId xmlns:a16="http://schemas.microsoft.com/office/drawing/2014/main" xmlns="" id="{A0692EEF-6B80-F034-965F-A310B9220125}"/>
               </a:ext>
             </a:extLst>
           </p:cNvPr>
@@ -10407,7 +10407,7 @@
           <p:cNvPr id="4" name="TextBox 4">
             <a:extLst>
               <a:ext uri="{FF2B5EF4-FFF2-40B4-BE49-F238E27FC236}">
-                <a16:creationId xmlns:a16="http://schemas.microsoft.com/office/drawing/2014/main" id="{CBD40FC8-02B8-57E8-0313-D9631032FADF}"/>
+                <a16:creationId xmlns:a16="http://schemas.microsoft.com/office/drawing/2014/main" xmlns="" id="{CBD40FC8-02B8-57E8-0313-D9631032FADF}"/>
               </a:ext>
             </a:extLst>
           </p:cNvPr>
@@ -10470,7 +10470,7 @@
           <p:cNvPr id="5" name="TextBox 5">
             <a:extLst>
               <a:ext uri="{FF2B5EF4-FFF2-40B4-BE49-F238E27FC236}">
-                <a16:creationId xmlns:a16="http://schemas.microsoft.com/office/drawing/2014/main" id="{1C22CB9C-5DD2-1BEA-339B-F96DAEC3F82D}"/>
+                <a16:creationId xmlns:a16="http://schemas.microsoft.com/office/drawing/2014/main" xmlns="" id="{1C22CB9C-5DD2-1BEA-339B-F96DAEC3F82D}"/>
               </a:ext>
             </a:extLst>
           </p:cNvPr>
@@ -10539,7 +10539,7 @@
           <p:cNvPr id="6" name="TextBox 5">
             <a:extLst>
               <a:ext uri="{FF2B5EF4-FFF2-40B4-BE49-F238E27FC236}">
-                <a16:creationId xmlns:a16="http://schemas.microsoft.com/office/drawing/2014/main" id="{B22F49FF-DB19-C996-03B4-27CB466E2F1B}"/>
+                <a16:creationId xmlns:a16="http://schemas.microsoft.com/office/drawing/2014/main" xmlns="" id="{B22F49FF-DB19-C996-03B4-27CB466E2F1B}"/>
               </a:ext>
             </a:extLst>
           </p:cNvPr>
@@ -10579,6 +10579,12 @@
                 <a:latin typeface="Comic Sans MS" panose="030F0702030302020204" pitchFamily="66" charset="0"/>
               </a:rPr>
               <a:t>55%</a:t>
+            </a:r>
+            <a:r>
+              <a:rPr lang="en-GB" sz="2000" dirty="0">
+                <a:latin typeface="Comic Sans MS" panose="030F0702030302020204" pitchFamily="66" charset="0"/>
+              </a:rPr>
+              <a:t/>
             </a:r>
             <a:br>
               <a:rPr lang="en-GB" sz="2000" dirty="0">
@@ -10678,7 +10684,7 @@
           <p:cNvPr id="5" name="Picture 4">
             <a:extLst>
               <a:ext uri="{FF2B5EF4-FFF2-40B4-BE49-F238E27FC236}">
-                <a16:creationId xmlns:a16="http://schemas.microsoft.com/office/drawing/2014/main" id="{9ACC6A19-8578-C51B-795D-5D7983CAC362}"/>
+                <a16:creationId xmlns:a16="http://schemas.microsoft.com/office/drawing/2014/main" xmlns="" id="{9ACC6A19-8578-C51B-795D-5D7983CAC362}"/>
               </a:ext>
             </a:extLst>
           </p:cNvPr>
@@ -10708,7 +10714,7 @@
           <p:cNvPr id="6" name="TextBox 4">
             <a:extLst>
               <a:ext uri="{FF2B5EF4-FFF2-40B4-BE49-F238E27FC236}">
-                <a16:creationId xmlns:a16="http://schemas.microsoft.com/office/drawing/2014/main" id="{D3388A29-25A5-ED0E-5113-534A7546C525}"/>
+                <a16:creationId xmlns:a16="http://schemas.microsoft.com/office/drawing/2014/main" xmlns="" id="{D3388A29-25A5-ED0E-5113-534A7546C525}"/>
               </a:ext>
             </a:extLst>
           </p:cNvPr>
@@ -10761,7 +10767,7 @@
                 <a:uFillTx/>
                 <a:latin typeface="Comic Sans MS" pitchFamily="66"/>
               </a:rPr>
-              <a:t>Classification Report - Heatmap</a:t>
+              <a:t>Confusion Matrix - actual vs. predicted class counts</a:t>
             </a:r>
           </a:p>
         </p:txBody>
@@ -10771,7 +10777,7 @@
           <p:cNvPr id="7" name="TextBox 5">
             <a:extLst>
               <a:ext uri="{FF2B5EF4-FFF2-40B4-BE49-F238E27FC236}">
-                <a16:creationId xmlns:a16="http://schemas.microsoft.com/office/drawing/2014/main" id="{5D44C3CC-A968-CF5A-09F9-22CFA3D8E9CC}"/>
+                <a16:creationId xmlns:a16="http://schemas.microsoft.com/office/drawing/2014/main" xmlns="" id="{5D44C3CC-A968-CF5A-09F9-22CFA3D8E9CC}"/>
               </a:ext>
             </a:extLst>
           </p:cNvPr>
@@ -10840,7 +10846,7 @@
           <p:cNvPr id="8" name="TextBox 7">
             <a:extLst>
               <a:ext uri="{FF2B5EF4-FFF2-40B4-BE49-F238E27FC236}">
-                <a16:creationId xmlns:a16="http://schemas.microsoft.com/office/drawing/2014/main" id="{88450B5B-1C8C-5C48-473C-C795E97460DA}"/>
+                <a16:creationId xmlns:a16="http://schemas.microsoft.com/office/drawing/2014/main" xmlns="" id="{88450B5B-1C8C-5C48-473C-C795E97460DA}"/>
               </a:ext>
             </a:extLst>
           </p:cNvPr>
@@ -11069,7 +11075,7 @@
           <p:cNvPr id="2" name="Title 1">
             <a:extLst>
               <a:ext uri="{FF2B5EF4-FFF2-40B4-BE49-F238E27FC236}">
-                <a16:creationId xmlns:a16="http://schemas.microsoft.com/office/drawing/2014/main" id="{AFB360F2-6F04-99B4-EDAB-CEC937EB14F3}"/>
+                <a16:creationId xmlns:a16="http://schemas.microsoft.com/office/drawing/2014/main" xmlns="" id="{AFB360F2-6F04-99B4-EDAB-CEC937EB14F3}"/>
               </a:ext>
             </a:extLst>
           </p:cNvPr>
@@ -11094,7 +11100,7 @@
           <p:cNvPr id="3" name="Content Placeholder 2">
             <a:extLst>
               <a:ext uri="{FF2B5EF4-FFF2-40B4-BE49-F238E27FC236}">
-                <a16:creationId xmlns:a16="http://schemas.microsoft.com/office/drawing/2014/main" id="{42524C26-8C34-CC02-3C5E-70DD06903678}"/>
+                <a16:creationId xmlns:a16="http://schemas.microsoft.com/office/drawing/2014/main" xmlns="" id="{42524C26-8C34-CC02-3C5E-70DD06903678}"/>
               </a:ext>
             </a:extLst>
           </p:cNvPr>
@@ -11119,7 +11125,7 @@
           <p:cNvPr id="4" name="Content Placeholder 3" descr="A white and blue room with blue sky">
             <a:extLst>
               <a:ext uri="{FF2B5EF4-FFF2-40B4-BE49-F238E27FC236}">
-                <a16:creationId xmlns:a16="http://schemas.microsoft.com/office/drawing/2014/main" id="{005EC9BA-5569-3B28-B762-275263C0311A}"/>
+                <a16:creationId xmlns:a16="http://schemas.microsoft.com/office/drawing/2014/main" xmlns="" id="{005EC9BA-5569-3B28-B762-275263C0311A}"/>
               </a:ext>
             </a:extLst>
           </p:cNvPr>
@@ -11150,7 +11156,7 @@
           <p:cNvPr id="5" name="Title 1">
             <a:extLst>
               <a:ext uri="{FF2B5EF4-FFF2-40B4-BE49-F238E27FC236}">
-                <a16:creationId xmlns:a16="http://schemas.microsoft.com/office/drawing/2014/main" id="{50C64209-0047-D783-D832-1A86BA47D304}"/>
+                <a16:creationId xmlns:a16="http://schemas.microsoft.com/office/drawing/2014/main" xmlns="" id="{50C64209-0047-D783-D832-1A86BA47D304}"/>
               </a:ext>
             </a:extLst>
           </p:cNvPr>
@@ -11237,7 +11243,7 @@
           <p:cNvPr id="2" name="Title 1">
             <a:extLst>
               <a:ext uri="{FF2B5EF4-FFF2-40B4-BE49-F238E27FC236}">
-                <a16:creationId xmlns:a16="http://schemas.microsoft.com/office/drawing/2014/main" id="{55590AE3-F229-EB59-95E4-653AEEA7C236}"/>
+                <a16:creationId xmlns:a16="http://schemas.microsoft.com/office/drawing/2014/main" xmlns="" id="{55590AE3-F229-EB59-95E4-653AEEA7C236}"/>
               </a:ext>
             </a:extLst>
           </p:cNvPr>
@@ -11262,7 +11268,7 @@
           <p:cNvPr id="3" name="Content Placeholder 2">
             <a:extLst>
               <a:ext uri="{FF2B5EF4-FFF2-40B4-BE49-F238E27FC236}">
-                <a16:creationId xmlns:a16="http://schemas.microsoft.com/office/drawing/2014/main" id="{8D907A89-8D65-89A7-BD80-5249DD824335}"/>
+                <a16:creationId xmlns:a16="http://schemas.microsoft.com/office/drawing/2014/main" xmlns="" id="{8D907A89-8D65-89A7-BD80-5249DD824335}"/>
               </a:ext>
             </a:extLst>
           </p:cNvPr>
@@ -11287,7 +11293,7 @@
           <p:cNvPr id="4" name="Content Placeholder 3" descr="A white and blue room with blue sky">
             <a:extLst>
               <a:ext uri="{FF2B5EF4-FFF2-40B4-BE49-F238E27FC236}">
-                <a16:creationId xmlns:a16="http://schemas.microsoft.com/office/drawing/2014/main" id="{C0710C7E-237E-FCD8-AE81-DCBEB4EDDB8A}"/>
+                <a16:creationId xmlns:a16="http://schemas.microsoft.com/office/drawing/2014/main" xmlns="" id="{C0710C7E-237E-FCD8-AE81-DCBEB4EDDB8A}"/>
               </a:ext>
             </a:extLst>
           </p:cNvPr>
@@ -11318,7 +11324,7 @@
           <p:cNvPr id="8" name="TextBox 7">
             <a:extLst>
               <a:ext uri="{FF2B5EF4-FFF2-40B4-BE49-F238E27FC236}">
-                <a16:creationId xmlns:a16="http://schemas.microsoft.com/office/drawing/2014/main" id="{42101ACA-EEA5-CC3B-F9AF-C7394E24F247}"/>
+                <a16:creationId xmlns:a16="http://schemas.microsoft.com/office/drawing/2014/main" xmlns="" id="{42101ACA-EEA5-CC3B-F9AF-C7394E24F247}"/>
               </a:ext>
             </a:extLst>
           </p:cNvPr>
@@ -11435,7 +11441,7 @@
         <p:cNvPr id="1" name="">
           <a:extLst>
             <a:ext uri="{FF2B5EF4-FFF2-40B4-BE49-F238E27FC236}">
-              <a16:creationId xmlns:a16="http://schemas.microsoft.com/office/drawing/2014/main" id="{6E36C167-719E-FA18-5D82-09C2AC6E90A7}"/>
+              <a16:creationId xmlns:a16="http://schemas.microsoft.com/office/drawing/2014/main" xmlns="" id="{6E36C167-719E-FA18-5D82-09C2AC6E90A7}"/>
             </a:ext>
           </a:extLst>
         </p:cNvPr>
@@ -11455,7 +11461,7 @@
           <p:cNvPr id="2" name="Title 1">
             <a:extLst>
               <a:ext uri="{FF2B5EF4-FFF2-40B4-BE49-F238E27FC236}">
-                <a16:creationId xmlns:a16="http://schemas.microsoft.com/office/drawing/2014/main" id="{D1174175-8CDB-58F8-240F-5CBA2E5216BD}"/>
+                <a16:creationId xmlns:a16="http://schemas.microsoft.com/office/drawing/2014/main" xmlns="" id="{D1174175-8CDB-58F8-240F-5CBA2E5216BD}"/>
               </a:ext>
             </a:extLst>
           </p:cNvPr>
@@ -11480,7 +11486,7 @@
           <p:cNvPr id="3" name="Content Placeholder 2">
             <a:extLst>
               <a:ext uri="{FF2B5EF4-FFF2-40B4-BE49-F238E27FC236}">
-                <a16:creationId xmlns:a16="http://schemas.microsoft.com/office/drawing/2014/main" id="{D4B2135E-656F-0646-1F16-703B6A30CC8F}"/>
+                <a16:creationId xmlns:a16="http://schemas.microsoft.com/office/drawing/2014/main" xmlns="" id="{D4B2135E-656F-0646-1F16-703B6A30CC8F}"/>
               </a:ext>
             </a:extLst>
           </p:cNvPr>
@@ -11505,7 +11511,7 @@
           <p:cNvPr id="4" name="Content Placeholder 3" descr="A white and blue room with blue sky">
             <a:extLst>
               <a:ext uri="{FF2B5EF4-FFF2-40B4-BE49-F238E27FC236}">
-                <a16:creationId xmlns:a16="http://schemas.microsoft.com/office/drawing/2014/main" id="{8ADF6BC4-6191-E90E-710F-CC04EF81C21E}"/>
+                <a16:creationId xmlns:a16="http://schemas.microsoft.com/office/drawing/2014/main" xmlns="" id="{8ADF6BC4-6191-E90E-710F-CC04EF81C21E}"/>
               </a:ext>
             </a:extLst>
           </p:cNvPr>
@@ -11536,7 +11542,7 @@
           <p:cNvPr id="8" name="TextBox 7">
             <a:extLst>
               <a:ext uri="{FF2B5EF4-FFF2-40B4-BE49-F238E27FC236}">
-                <a16:creationId xmlns:a16="http://schemas.microsoft.com/office/drawing/2014/main" id="{596FA52D-CF9D-8E24-3420-AEC4D732272A}"/>
+                <a16:creationId xmlns:a16="http://schemas.microsoft.com/office/drawing/2014/main" xmlns="" id="{596FA52D-CF9D-8E24-3420-AEC4D732272A}"/>
               </a:ext>
             </a:extLst>
           </p:cNvPr>
@@ -11599,7 +11605,7 @@
           <p:cNvPr id="6" name="TextBox 5">
             <a:extLst>
               <a:ext uri="{FF2B5EF4-FFF2-40B4-BE49-F238E27FC236}">
-                <a16:creationId xmlns:a16="http://schemas.microsoft.com/office/drawing/2014/main" id="{8CD1637B-08D4-7E22-5632-DA85848958F8}"/>
+                <a16:creationId xmlns:a16="http://schemas.microsoft.com/office/drawing/2014/main" xmlns="" id="{8CD1637B-08D4-7E22-5632-DA85848958F8}"/>
               </a:ext>
             </a:extLst>
           </p:cNvPr>
@@ -11669,7 +11675,7 @@
           <p:cNvPr id="2" name="Title 1">
             <a:extLst>
               <a:ext uri="{FF2B5EF4-FFF2-40B4-BE49-F238E27FC236}">
-                <a16:creationId xmlns:a16="http://schemas.microsoft.com/office/drawing/2014/main" id="{13BD7B60-362C-0181-3E68-F87F5BBD6050}"/>
+                <a16:creationId xmlns:a16="http://schemas.microsoft.com/office/drawing/2014/main" xmlns="" id="{13BD7B60-362C-0181-3E68-F87F5BBD6050}"/>
               </a:ext>
             </a:extLst>
           </p:cNvPr>
@@ -11694,7 +11700,7 @@
           <p:cNvPr id="3" name="Content Placeholder 2">
             <a:extLst>
               <a:ext uri="{FF2B5EF4-FFF2-40B4-BE49-F238E27FC236}">
-                <a16:creationId xmlns:a16="http://schemas.microsoft.com/office/drawing/2014/main" id="{0C107BB6-CF3F-ED3A-401A-FDCBD8EF95FC}"/>
+                <a16:creationId xmlns:a16="http://schemas.microsoft.com/office/drawing/2014/main" xmlns="" id="{0C107BB6-CF3F-ED3A-401A-FDCBD8EF95FC}"/>
               </a:ext>
             </a:extLst>
           </p:cNvPr>
@@ -11719,7 +11725,7 @@
           <p:cNvPr id="4" name="Content Placeholder 3" descr="A white and blue room with blue sky">
             <a:extLst>
               <a:ext uri="{FF2B5EF4-FFF2-40B4-BE49-F238E27FC236}">
-                <a16:creationId xmlns:a16="http://schemas.microsoft.com/office/drawing/2014/main" id="{2AEC32F8-D510-4956-C5C0-F58754CA80E3}"/>
+                <a16:creationId xmlns:a16="http://schemas.microsoft.com/office/drawing/2014/main" xmlns="" id="{2AEC32F8-D510-4956-C5C0-F58754CA80E3}"/>
               </a:ext>
             </a:extLst>
           </p:cNvPr>
@@ -11750,7 +11756,7 @@
           <p:cNvPr id="5" name="Title 1">
             <a:extLst>
               <a:ext uri="{FF2B5EF4-FFF2-40B4-BE49-F238E27FC236}">
-                <a16:creationId xmlns:a16="http://schemas.microsoft.com/office/drawing/2014/main" id="{7124562E-8475-1991-7E65-CACCE81462AD}"/>
+                <a16:creationId xmlns:a16="http://schemas.microsoft.com/office/drawing/2014/main" xmlns="" id="{7124562E-8475-1991-7E65-CACCE81462AD}"/>
               </a:ext>
             </a:extLst>
           </p:cNvPr>
@@ -11837,7 +11843,7 @@
           <p:cNvPr id="2" name="Title 1">
             <a:extLst>
               <a:ext uri="{FF2B5EF4-FFF2-40B4-BE49-F238E27FC236}">
-                <a16:creationId xmlns:a16="http://schemas.microsoft.com/office/drawing/2014/main" id="{48EC870C-362F-DFCE-2189-69772D836107}"/>
+                <a16:creationId xmlns:a16="http://schemas.microsoft.com/office/drawing/2014/main" xmlns="" id="{48EC870C-362F-DFCE-2189-69772D836107}"/>
               </a:ext>
             </a:extLst>
           </p:cNvPr>
@@ -11862,7 +11868,7 @@
           <p:cNvPr id="3" name="Subtitle 2">
             <a:extLst>
               <a:ext uri="{FF2B5EF4-FFF2-40B4-BE49-F238E27FC236}">
-                <a16:creationId xmlns:a16="http://schemas.microsoft.com/office/drawing/2014/main" id="{62A122C6-D9CD-30F1-D9B3-42EA634F76AC}"/>
+                <a16:creationId xmlns:a16="http://schemas.microsoft.com/office/drawing/2014/main" xmlns="" id="{62A122C6-D9CD-30F1-D9B3-42EA634F76AC}"/>
               </a:ext>
             </a:extLst>
           </p:cNvPr>
@@ -11887,7 +11893,7 @@
           <p:cNvPr id="4" name="Picture 4">
             <a:extLst>
               <a:ext uri="{FF2B5EF4-FFF2-40B4-BE49-F238E27FC236}">
-                <a16:creationId xmlns:a16="http://schemas.microsoft.com/office/drawing/2014/main" id="{987B925E-322E-D5BA-25ED-4401C8BF77BE}"/>
+                <a16:creationId xmlns:a16="http://schemas.microsoft.com/office/drawing/2014/main" xmlns="" id="{987B925E-322E-D5BA-25ED-4401C8BF77BE}"/>
               </a:ext>
             </a:extLst>
           </p:cNvPr>
@@ -11922,7 +11928,7 @@
           <p:cNvPr id="5" name="TextBox 5">
             <a:extLst>
               <a:ext uri="{FF2B5EF4-FFF2-40B4-BE49-F238E27FC236}">
-                <a16:creationId xmlns:a16="http://schemas.microsoft.com/office/drawing/2014/main" id="{C7CFF564-6508-00BE-4D94-9E6277F1CB55}"/>
+                <a16:creationId xmlns:a16="http://schemas.microsoft.com/office/drawing/2014/main" xmlns="" id="{C7CFF564-6508-00BE-4D94-9E6277F1CB55}"/>
               </a:ext>
             </a:extLst>
           </p:cNvPr>
@@ -12017,7 +12023,7 @@
           <p:cNvPr id="2" name="TextBox 5">
             <a:extLst>
               <a:ext uri="{FF2B5EF4-FFF2-40B4-BE49-F238E27FC236}">
-                <a16:creationId xmlns:a16="http://schemas.microsoft.com/office/drawing/2014/main" id="{D8515674-D275-0FD0-54F3-EC66E9CF6B79}"/>
+                <a16:creationId xmlns:a16="http://schemas.microsoft.com/office/drawing/2014/main" xmlns="" id="{D8515674-D275-0FD0-54F3-EC66E9CF6B79}"/>
               </a:ext>
             </a:extLst>
           </p:cNvPr>
@@ -12087,7 +12093,7 @@
           <p:cNvPr id="3" name="TextBox 6">
             <a:extLst>
               <a:ext uri="{FF2B5EF4-FFF2-40B4-BE49-F238E27FC236}">
-                <a16:creationId xmlns:a16="http://schemas.microsoft.com/office/drawing/2014/main" id="{9A4A11C4-6B9B-D86D-A811-9ECB4DE3BB08}"/>
+                <a16:creationId xmlns:a16="http://schemas.microsoft.com/office/drawing/2014/main" xmlns="" id="{9A4A11C4-6B9B-D86D-A811-9ECB4DE3BB08}"/>
               </a:ext>
             </a:extLst>
           </p:cNvPr>
@@ -12159,7 +12165,7 @@
           <p:cNvPr id="4" name="TextBox 8">
             <a:extLst>
               <a:ext uri="{FF2B5EF4-FFF2-40B4-BE49-F238E27FC236}">
-                <a16:creationId xmlns:a16="http://schemas.microsoft.com/office/drawing/2014/main" id="{5FAD0D86-BFE3-2734-3FB3-38CF89E3F6B2}"/>
+                <a16:creationId xmlns:a16="http://schemas.microsoft.com/office/drawing/2014/main" xmlns="" id="{5FAD0D86-BFE3-2734-3FB3-38CF89E3F6B2}"/>
               </a:ext>
             </a:extLst>
           </p:cNvPr>
@@ -12333,7 +12339,7 @@
           <p:cNvPr id="5" name="Picture 14" descr="A screenshot of a computer&#10;&#10;AI-generated content may be incorrect.">
             <a:extLst>
               <a:ext uri="{FF2B5EF4-FFF2-40B4-BE49-F238E27FC236}">
-                <a16:creationId xmlns:a16="http://schemas.microsoft.com/office/drawing/2014/main" id="{68DE9E21-4F9C-7630-58CA-2F5D60829764}"/>
+                <a16:creationId xmlns:a16="http://schemas.microsoft.com/office/drawing/2014/main" xmlns="" id="{68DE9E21-4F9C-7630-58CA-2F5D60829764}"/>
               </a:ext>
             </a:extLst>
           </p:cNvPr>
@@ -12368,7 +12374,7 @@
           <p:cNvPr id="6" name="Picture 16" descr="A screenshot of a computer&#10;&#10;AI-generated content may be incorrect.">
             <a:extLst>
               <a:ext uri="{FF2B5EF4-FFF2-40B4-BE49-F238E27FC236}">
-                <a16:creationId xmlns:a16="http://schemas.microsoft.com/office/drawing/2014/main" id="{F8B76CAB-A954-EDB6-FB61-06A93B3B6DF0}"/>
+                <a16:creationId xmlns:a16="http://schemas.microsoft.com/office/drawing/2014/main" xmlns="" id="{F8B76CAB-A954-EDB6-FB61-06A93B3B6DF0}"/>
               </a:ext>
             </a:extLst>
           </p:cNvPr>
@@ -12403,7 +12409,7 @@
           <p:cNvPr id="7" name="TextBox 17">
             <a:extLst>
               <a:ext uri="{FF2B5EF4-FFF2-40B4-BE49-F238E27FC236}">
-                <a16:creationId xmlns:a16="http://schemas.microsoft.com/office/drawing/2014/main" id="{9D399310-BEC5-0B6C-93A7-4353391CD70C}"/>
+                <a16:creationId xmlns:a16="http://schemas.microsoft.com/office/drawing/2014/main" xmlns="" id="{9D399310-BEC5-0B6C-93A7-4353391CD70C}"/>
               </a:ext>
             </a:extLst>
           </p:cNvPr>
@@ -12724,7 +12730,7 @@
           <p:cNvPr id="2" name="Title 1">
             <a:extLst>
               <a:ext uri="{FF2B5EF4-FFF2-40B4-BE49-F238E27FC236}">
-                <a16:creationId xmlns:a16="http://schemas.microsoft.com/office/drawing/2014/main" id="{8FE50611-2AA6-2C83-D68F-FA293301CE7D}"/>
+                <a16:creationId xmlns:a16="http://schemas.microsoft.com/office/drawing/2014/main" xmlns="" id="{8FE50611-2AA6-2C83-D68F-FA293301CE7D}"/>
               </a:ext>
             </a:extLst>
           </p:cNvPr>
@@ -12749,7 +12755,7 @@
           <p:cNvPr id="3" name="Content Placeholder 2">
             <a:extLst>
               <a:ext uri="{FF2B5EF4-FFF2-40B4-BE49-F238E27FC236}">
-                <a16:creationId xmlns:a16="http://schemas.microsoft.com/office/drawing/2014/main" id="{7791484A-7372-1657-96FF-A54CC3BC0347}"/>
+                <a16:creationId xmlns:a16="http://schemas.microsoft.com/office/drawing/2014/main" xmlns="" id="{7791484A-7372-1657-96FF-A54CC3BC0347}"/>
               </a:ext>
             </a:extLst>
           </p:cNvPr>
@@ -12774,7 +12780,7 @@
           <p:cNvPr id="6" name="Content Placeholder 3" descr="A white and blue room with blue sky">
             <a:extLst>
               <a:ext uri="{FF2B5EF4-FFF2-40B4-BE49-F238E27FC236}">
-                <a16:creationId xmlns:a16="http://schemas.microsoft.com/office/drawing/2014/main" id="{01E44A28-B82B-25E6-C558-2B60F2F85CB6}"/>
+                <a16:creationId xmlns:a16="http://schemas.microsoft.com/office/drawing/2014/main" xmlns="" id="{01E44A28-B82B-25E6-C558-2B60F2F85CB6}"/>
               </a:ext>
             </a:extLst>
           </p:cNvPr>
@@ -12805,7 +12811,7 @@
           <p:cNvPr id="8" name="TextBox 7">
             <a:extLst>
               <a:ext uri="{FF2B5EF4-FFF2-40B4-BE49-F238E27FC236}">
-                <a16:creationId xmlns:a16="http://schemas.microsoft.com/office/drawing/2014/main" id="{237F59D5-48D9-1AD8-3831-3337B87EB9A4}"/>
+                <a16:creationId xmlns:a16="http://schemas.microsoft.com/office/drawing/2014/main" xmlns="" id="{237F59D5-48D9-1AD8-3831-3337B87EB9A4}"/>
               </a:ext>
             </a:extLst>
           </p:cNvPr>
@@ -13008,7 +13014,7 @@
           <p:cNvPr id="10" name="TextBox 9">
             <a:extLst>
               <a:ext uri="{FF2B5EF4-FFF2-40B4-BE49-F238E27FC236}">
-                <a16:creationId xmlns:a16="http://schemas.microsoft.com/office/drawing/2014/main" id="{7575255B-2E75-F17A-4D1C-0B4BFA431D8D}"/>
+                <a16:creationId xmlns:a16="http://schemas.microsoft.com/office/drawing/2014/main" xmlns="" id="{7575255B-2E75-F17A-4D1C-0B4BFA431D8D}"/>
               </a:ext>
             </a:extLst>
           </p:cNvPr>
@@ -13054,7 +13060,7 @@
           <p:cNvPr id="12" name="TextBox 11">
             <a:extLst>
               <a:ext uri="{FF2B5EF4-FFF2-40B4-BE49-F238E27FC236}">
-                <a16:creationId xmlns:a16="http://schemas.microsoft.com/office/drawing/2014/main" id="{99336F48-C867-98E6-11EC-5B2A0FC6449A}"/>
+                <a16:creationId xmlns:a16="http://schemas.microsoft.com/office/drawing/2014/main" xmlns="" id="{99336F48-C867-98E6-11EC-5B2A0FC6449A}"/>
               </a:ext>
             </a:extLst>
           </p:cNvPr>
@@ -13275,7 +13281,7 @@
           <p:cNvPr id="2" name="TextBox 5">
             <a:extLst>
               <a:ext uri="{FF2B5EF4-FFF2-40B4-BE49-F238E27FC236}">
-                <a16:creationId xmlns:a16="http://schemas.microsoft.com/office/drawing/2014/main" id="{09462789-D8BA-E575-9081-DD9DE7942ECE}"/>
+                <a16:creationId xmlns:a16="http://schemas.microsoft.com/office/drawing/2014/main" xmlns="" id="{09462789-D8BA-E575-9081-DD9DE7942ECE}"/>
               </a:ext>
             </a:extLst>
           </p:cNvPr>
@@ -13345,7 +13351,7 @@
           <p:cNvPr id="3" name="TextBox 2">
             <a:extLst>
               <a:ext uri="{FF2B5EF4-FFF2-40B4-BE49-F238E27FC236}">
-                <a16:creationId xmlns:a16="http://schemas.microsoft.com/office/drawing/2014/main" id="{E8F3C536-B0C0-46F6-ADCB-3FBF15C606F1}"/>
+                <a16:creationId xmlns:a16="http://schemas.microsoft.com/office/drawing/2014/main" xmlns="" id="{E8F3C536-B0C0-46F6-ADCB-3FBF15C606F1}"/>
               </a:ext>
             </a:extLst>
           </p:cNvPr>
@@ -13417,7 +13423,7 @@
           <p:cNvPr id="4" name="Picture 3" descr="A screenshot of a computer&#10;&#10;AI-generated content may be incorrect.">
             <a:extLst>
               <a:ext uri="{FF2B5EF4-FFF2-40B4-BE49-F238E27FC236}">
-                <a16:creationId xmlns:a16="http://schemas.microsoft.com/office/drawing/2014/main" id="{E08BCADC-2D55-1D38-7FBB-29AEA0A7B8E4}"/>
+                <a16:creationId xmlns:a16="http://schemas.microsoft.com/office/drawing/2014/main" xmlns="" id="{E08BCADC-2D55-1D38-7FBB-29AEA0A7B8E4}"/>
               </a:ext>
             </a:extLst>
           </p:cNvPr>
@@ -13452,7 +13458,7 @@
           <p:cNvPr id="5" name="TextBox 4">
             <a:extLst>
               <a:ext uri="{FF2B5EF4-FFF2-40B4-BE49-F238E27FC236}">
-                <a16:creationId xmlns:a16="http://schemas.microsoft.com/office/drawing/2014/main" id="{AD7D927A-C79D-9FA7-DCA8-AE95E755B524}"/>
+                <a16:creationId xmlns:a16="http://schemas.microsoft.com/office/drawing/2014/main" xmlns="" id="{AD7D927A-C79D-9FA7-DCA8-AE95E755B524}"/>
               </a:ext>
             </a:extLst>
           </p:cNvPr>
@@ -13674,7 +13680,7 @@
           <p:cNvPr id="6" name="Picture 5" descr="A screenshot of a computer&#10;&#10;AI-generated content may be incorrect.">
             <a:extLst>
               <a:ext uri="{FF2B5EF4-FFF2-40B4-BE49-F238E27FC236}">
-                <a16:creationId xmlns:a16="http://schemas.microsoft.com/office/drawing/2014/main" id="{8A9F279A-F114-8A51-3CEC-C5742300F734}"/>
+                <a16:creationId xmlns:a16="http://schemas.microsoft.com/office/drawing/2014/main" xmlns="" id="{8A9F279A-F114-8A51-3CEC-C5742300F734}"/>
               </a:ext>
             </a:extLst>
           </p:cNvPr>
@@ -13709,7 +13715,7 @@
           <p:cNvPr id="7" name="TextBox 6">
             <a:extLst>
               <a:ext uri="{FF2B5EF4-FFF2-40B4-BE49-F238E27FC236}">
-                <a16:creationId xmlns:a16="http://schemas.microsoft.com/office/drawing/2014/main" id="{0F9DB6AD-68DE-B495-A4A4-EEA30A118F44}"/>
+                <a16:creationId xmlns:a16="http://schemas.microsoft.com/office/drawing/2014/main" xmlns="" id="{0F9DB6AD-68DE-B495-A4A4-EEA30A118F44}"/>
               </a:ext>
             </a:extLst>
           </p:cNvPr>
@@ -13852,7 +13858,7 @@
           <p:cNvPr id="2" name="Picture 1" descr="A screenshot of a computer&#10;&#10;AI-generated content may be incorrect.">
             <a:extLst>
               <a:ext uri="{FF2B5EF4-FFF2-40B4-BE49-F238E27FC236}">
-                <a16:creationId xmlns:a16="http://schemas.microsoft.com/office/drawing/2014/main" id="{35BA5E20-D8DC-2D43-3A7E-FBD2851CE510}"/>
+                <a16:creationId xmlns:a16="http://schemas.microsoft.com/office/drawing/2014/main" xmlns="" id="{35BA5E20-D8DC-2D43-3A7E-FBD2851CE510}"/>
               </a:ext>
             </a:extLst>
           </p:cNvPr>
@@ -13887,7 +13893,7 @@
           <p:cNvPr id="3" name="TextBox 5">
             <a:extLst>
               <a:ext uri="{FF2B5EF4-FFF2-40B4-BE49-F238E27FC236}">
-                <a16:creationId xmlns:a16="http://schemas.microsoft.com/office/drawing/2014/main" id="{6AB101DF-4F81-A2AA-C19B-11D22FD06816}"/>
+                <a16:creationId xmlns:a16="http://schemas.microsoft.com/office/drawing/2014/main" xmlns="" id="{6AB101DF-4F81-A2AA-C19B-11D22FD06816}"/>
               </a:ext>
             </a:extLst>
           </p:cNvPr>
@@ -13957,7 +13963,7 @@
           <p:cNvPr id="4" name="TextBox 3">
             <a:extLst>
               <a:ext uri="{FF2B5EF4-FFF2-40B4-BE49-F238E27FC236}">
-                <a16:creationId xmlns:a16="http://schemas.microsoft.com/office/drawing/2014/main" id="{5211B5A4-4BA0-2339-AF97-E07FAE4E9ACA}"/>
+                <a16:creationId xmlns:a16="http://schemas.microsoft.com/office/drawing/2014/main" xmlns="" id="{5211B5A4-4BA0-2339-AF97-E07FAE4E9ACA}"/>
               </a:ext>
             </a:extLst>
           </p:cNvPr>
@@ -14029,7 +14035,7 @@
           <p:cNvPr id="5" name="TextBox 4">
             <a:extLst>
               <a:ext uri="{FF2B5EF4-FFF2-40B4-BE49-F238E27FC236}">
-                <a16:creationId xmlns:a16="http://schemas.microsoft.com/office/drawing/2014/main" id="{FC3669A1-7861-1644-DF51-B6AA389CF26C}"/>
+                <a16:creationId xmlns:a16="http://schemas.microsoft.com/office/drawing/2014/main" xmlns="" id="{FC3669A1-7861-1644-DF51-B6AA389CF26C}"/>
               </a:ext>
             </a:extLst>
           </p:cNvPr>
@@ -14251,7 +14257,7 @@
           <p:cNvPr id="6" name="TextBox 5">
             <a:extLst>
               <a:ext uri="{FF2B5EF4-FFF2-40B4-BE49-F238E27FC236}">
-                <a16:creationId xmlns:a16="http://schemas.microsoft.com/office/drawing/2014/main" id="{ACE9CB51-B5D3-6185-7D24-446935015DDD}"/>
+                <a16:creationId xmlns:a16="http://schemas.microsoft.com/office/drawing/2014/main" xmlns="" id="{ACE9CB51-B5D3-6185-7D24-446935015DDD}"/>
               </a:ext>
             </a:extLst>
           </p:cNvPr>
@@ -14495,10 +14501,659 @@
       </p:grpSpPr>
       <p:sp>
         <p:nvSpPr>
+          <p:cNvPr id="9" name="Rectangle 8">
+            <a:extLst>
+              <a:ext uri="{FF2B5EF4-FFF2-40B4-BE49-F238E27FC236}">
+                <a16:creationId xmlns:a16="http://schemas.microsoft.com/office/drawing/2014/main" xmlns="" id="{80B98925-0550-1AFB-C1DC-02792400FB71}"/>
+              </a:ext>
+              <a:ext uri="{C183D7F6-B498-43B3-948B-1728B52AA6E4}">
+                <adec:decorative xmlns:adec="http://schemas.microsoft.com/office/drawing/2017/decorative" xmlns="" val="1"/>
+              </a:ext>
+            </a:extLst>
+          </p:cNvPr>
+          <p:cNvSpPr>
+            <a:spLocks noGrp="1" noRot="1" noChangeAspect="1" noMove="1" noResize="1" noEditPoints="1" noAdjustHandles="1" noChangeArrowheads="1" noChangeShapeType="1" noTextEdit="1"/>
+          </p:cNvSpPr>
+          <p:nvPr>
+            <p:extLst>
+              <p:ext uri="{386F3935-93C4-4BCD-93E2-E3B085C9AB24}">
+                <p16:designElem xmlns:p16="http://schemas.microsoft.com/office/powerpoint/2015/main" xmlns="" val="1"/>
+              </p:ext>
+            </p:extLst>
+          </p:nvPr>
+        </p:nvSpPr>
+        <p:spPr>
+          <a:xfrm>
+            <a:off x="0" y="0"/>
+            <a:ext cx="12192000" cy="6858000"/>
+          </a:xfrm>
+          <a:prstGeom prst="rect">
+            <a:avLst/>
+          </a:prstGeom>
+          <a:solidFill>
+            <a:schemeClr val="bg1"/>
+          </a:solidFill>
+          <a:ln w="12700" cap="flat" cmpd="sng" algn="ctr">
+            <a:noFill/>
+            <a:prstDash val="solid"/>
+            <a:miter lim="800000"/>
+          </a:ln>
+          <a:effectLst/>
+          <a:extLst>
+            <a:ext uri="{91240B29-F687-4F45-9708-019B960494DF}">
+              <a14:hiddenLine xmlns:a14="http://schemas.microsoft.com/office/drawing/2010/main" w="12700" cap="flat" cmpd="sng" algn="ctr">
+                <a:solidFill>
+                  <a:schemeClr val="accent1">
+                    <a:shade val="15000"/>
+                  </a:schemeClr>
+                </a:solidFill>
+                <a:prstDash val="solid"/>
+                <a:miter lim="800000"/>
+              </a14:hiddenLine>
+            </a:ext>
+          </a:extLst>
+        </p:spPr>
+        <p:style>
+          <a:lnRef idx="2">
+            <a:schemeClr val="accent1">
+              <a:shade val="15000"/>
+            </a:schemeClr>
+          </a:lnRef>
+          <a:fillRef idx="1">
+            <a:schemeClr val="accent1"/>
+          </a:fillRef>
+          <a:effectRef idx="0">
+            <a:schemeClr val="accent1"/>
+          </a:effectRef>
+          <a:fontRef idx="minor">
+            <a:schemeClr val="lt1"/>
+          </a:fontRef>
+        </p:style>
+        <p:txBody>
+          <a:bodyPr rtlCol="0" anchor="ctr"/>
+          <a:lstStyle/>
+          <a:p>
+            <a:pPr marL="0" marR="0" lvl="0" indent="0" algn="ctr" defTabSz="914400" rtl="0" eaLnBrk="1" fontAlgn="auto" latinLnBrk="0" hangingPunct="1">
+              <a:lnSpc>
+                <a:spcPct val="100000"/>
+              </a:lnSpc>
+              <a:spcBef>
+                <a:spcPts val="0"/>
+              </a:spcBef>
+              <a:spcAft>
+                <a:spcPts val="0"/>
+              </a:spcAft>
+              <a:buClrTx/>
+              <a:buSzTx/>
+              <a:buFontTx/>
+              <a:buNone/>
+              <a:tabLst/>
+              <a:defRPr/>
+            </a:pPr>
+            <a:endParaRPr kumimoji="0" lang="en-US" sz="1800" b="0" i="0" u="none" strike="noStrike" kern="1200" cap="none" spc="0" normalizeH="0" baseline="0" noProof="0">
+              <a:ln>
+                <a:noFill/>
+              </a:ln>
+              <a:solidFill>
+                <a:srgbClr val="FFFFFF"/>
+              </a:solidFill>
+              <a:effectLst/>
+              <a:uLnTx/>
+              <a:uFillTx/>
+              <a:latin typeface="Calisto MT"/>
+              <a:ea typeface="+mn-ea"/>
+              <a:cs typeface="+mn-cs"/>
+            </a:endParaRPr>
+          </a:p>
+        </p:txBody>
+      </p:sp>
+      <p:pic>
+        <p:nvPicPr>
+          <p:cNvPr id="4" name="Picture 3" descr="A white and blue room with blue sky&#10;&#10;AI-generated content may be incorrect.">
+            <a:extLst>
+              <a:ext uri="{FF2B5EF4-FFF2-40B4-BE49-F238E27FC236}">
+                <a16:creationId xmlns:a16="http://schemas.microsoft.com/office/drawing/2014/main" xmlns="" id="{36CE6427-7899-688F-3128-1CE9BF0EC21E}"/>
+              </a:ext>
+            </a:extLst>
+          </p:cNvPr>
+          <p:cNvPicPr>
+            <a:picLocks noChangeAspect="1"/>
+          </p:cNvPicPr>
+          <p:nvPr/>
+        </p:nvPicPr>
+        <p:blipFill>
+          <a:blip r:embed="rId2"/>
+          <a:srcRect t="18510" b="6490"/>
+          <a:stretch>
+            <a:fillRect/>
+          </a:stretch>
+        </p:blipFill>
+        <p:spPr>
+          <a:xfrm>
+            <a:off x="20" y="10"/>
+            <a:ext cx="12191979" cy="6857990"/>
+          </a:xfrm>
+          <a:prstGeom prst="rect">
+            <a:avLst/>
+          </a:prstGeom>
+        </p:spPr>
+      </p:pic>
+      <p:sp>
+        <p:nvSpPr>
+          <p:cNvPr id="11" name="Rectangle 10">
+            <a:extLst>
+              <a:ext uri="{FF2B5EF4-FFF2-40B4-BE49-F238E27FC236}">
+                <a16:creationId xmlns:a16="http://schemas.microsoft.com/office/drawing/2014/main" xmlns="" id="{0CCA9273-E74E-A306-1F74-BEF9EDA30500}"/>
+              </a:ext>
+              <a:ext uri="{C183D7F6-B498-43B3-948B-1728B52AA6E4}">
+                <adec:decorative xmlns:adec="http://schemas.microsoft.com/office/drawing/2017/decorative" xmlns="" val="1"/>
+              </a:ext>
+            </a:extLst>
+          </p:cNvPr>
+          <p:cNvSpPr>
+            <a:spLocks noGrp="1" noRot="1" noChangeAspect="1" noMove="1" noResize="1" noEditPoints="1" noAdjustHandles="1" noChangeArrowheads="1" noChangeShapeType="1" noTextEdit="1"/>
+          </p:cNvSpPr>
+          <p:nvPr>
+            <p:extLst>
+              <p:ext uri="{386F3935-93C4-4BCD-93E2-E3B085C9AB24}">
+                <p16:designElem xmlns:p16="http://schemas.microsoft.com/office/powerpoint/2015/main" xmlns="" val="1"/>
+              </p:ext>
+            </p:extLst>
+          </p:nvPr>
+        </p:nvSpPr>
+        <p:spPr>
+          <a:xfrm flipV="1">
+            <a:off x="0" y="0"/>
+            <a:ext cx="12192000" cy="2462170"/>
+          </a:xfrm>
+          <a:prstGeom prst="rect">
+            <a:avLst/>
+          </a:prstGeom>
+          <a:gradFill>
+            <a:gsLst>
+              <a:gs pos="0">
+                <a:schemeClr val="bg1">
+                  <a:alpha val="0"/>
+                </a:schemeClr>
+              </a:gs>
+              <a:gs pos="48000">
+                <a:schemeClr val="bg1">
+                  <a:alpha val="17000"/>
+                </a:schemeClr>
+              </a:gs>
+              <a:gs pos="100000">
+                <a:schemeClr val="bg1">
+                  <a:alpha val="45000"/>
+                </a:schemeClr>
+              </a:gs>
+            </a:gsLst>
+            <a:lin ang="5400000" scaled="1"/>
+          </a:gradFill>
+          <a:ln>
+            <a:noFill/>
+          </a:ln>
+        </p:spPr>
+        <p:style>
+          <a:lnRef idx="2">
+            <a:schemeClr val="accent1">
+              <a:shade val="50000"/>
+            </a:schemeClr>
+          </a:lnRef>
+          <a:fillRef idx="1">
+            <a:schemeClr val="accent1"/>
+          </a:fillRef>
+          <a:effectRef idx="0">
+            <a:schemeClr val="accent1"/>
+          </a:effectRef>
+          <a:fontRef idx="minor">
+            <a:schemeClr val="lt1"/>
+          </a:fontRef>
+        </p:style>
+        <p:txBody>
+          <a:bodyPr rtlCol="0" anchor="ctr"/>
+          <a:lstStyle/>
+          <a:p>
+            <a:pPr marL="0" marR="0" lvl="0" indent="0" algn="ctr" defTabSz="914400" rtl="0" eaLnBrk="1" fontAlgn="auto" latinLnBrk="0" hangingPunct="1">
+              <a:lnSpc>
+                <a:spcPct val="100000"/>
+              </a:lnSpc>
+              <a:spcBef>
+                <a:spcPts val="0"/>
+              </a:spcBef>
+              <a:spcAft>
+                <a:spcPts val="0"/>
+              </a:spcAft>
+              <a:buClrTx/>
+              <a:buSzTx/>
+              <a:buFontTx/>
+              <a:buNone/>
+              <a:tabLst/>
+              <a:defRPr/>
+            </a:pPr>
+            <a:endParaRPr kumimoji="0" lang="en-US" sz="1800" b="0" i="0" u="none" strike="noStrike" kern="1200" cap="none" spc="0" normalizeH="0" baseline="0" noProof="0">
+              <a:ln>
+                <a:noFill/>
+              </a:ln>
+              <a:solidFill>
+                <a:srgbClr val="FFFFFF"/>
+              </a:solidFill>
+              <a:effectLst/>
+              <a:uLnTx/>
+              <a:uFillTx/>
+              <a:latin typeface="Calisto MT"/>
+              <a:ea typeface="+mn-ea"/>
+              <a:cs typeface="+mn-cs"/>
+            </a:endParaRPr>
+          </a:p>
+        </p:txBody>
+      </p:sp>
+      <p:sp>
+        <p:nvSpPr>
           <p:cNvPr id="2" name="Title 1">
             <a:extLst>
               <a:ext uri="{FF2B5EF4-FFF2-40B4-BE49-F238E27FC236}">
-                <a16:creationId xmlns:a16="http://schemas.microsoft.com/office/drawing/2014/main" id="{885DAAE8-B486-CCB1-6666-021D8950CD61}"/>
+                <a16:creationId xmlns:a16="http://schemas.microsoft.com/office/drawing/2014/main" xmlns="" id="{CEC4E630-4580-706E-FD4B-475362D26051}"/>
+              </a:ext>
+            </a:extLst>
+          </p:cNvPr>
+          <p:cNvSpPr>
+            <a:spLocks noGrp="1"/>
+          </p:cNvSpPr>
+          <p:nvPr>
+            <p:ph type="ctrTitle"/>
+          </p:nvPr>
+        </p:nvSpPr>
+        <p:spPr>
+          <a:xfrm>
+            <a:off x="320039" y="175147"/>
+            <a:ext cx="7978385" cy="916234"/>
+          </a:xfrm>
+        </p:spPr>
+        <p:txBody>
+          <a:bodyPr anchor="ctr">
+            <a:normAutofit/>
+          </a:bodyPr>
+          <a:lstStyle/>
+          <a:p>
+            <a:r>
+              <a:rPr lang="en-GB" sz="3600" dirty="0" smtClean="0">
+                <a:solidFill>
+                  <a:schemeClr val="bg1"/>
+                </a:solidFill>
+              </a:rPr>
+              <a:t>Business Recommendations</a:t>
+            </a:r>
+            <a:endParaRPr lang="en-GB" sz="3600" dirty="0">
+              <a:solidFill>
+                <a:schemeClr val="bg1"/>
+              </a:solidFill>
+            </a:endParaRPr>
+          </a:p>
+        </p:txBody>
+      </p:sp>
+      <p:sp>
+        <p:nvSpPr>
+          <p:cNvPr id="6" name="TextBox 5">
+            <a:extLst>
+              <a:ext uri="{FF2B5EF4-FFF2-40B4-BE49-F238E27FC236}">
+                <a16:creationId xmlns:a16="http://schemas.microsoft.com/office/drawing/2014/main" xmlns="" id="{136059E5-3263-14F5-C9FE-3F6C3E0B5C53}"/>
+              </a:ext>
+            </a:extLst>
+          </p:cNvPr>
+          <p:cNvSpPr txBox="1"/>
+          <p:nvPr/>
+        </p:nvSpPr>
+        <p:spPr>
+          <a:xfrm>
+            <a:off x="320039" y="1545787"/>
+            <a:ext cx="11243604" cy="4765792"/>
+          </a:xfrm>
+          <a:prstGeom prst="rect">
+            <a:avLst/>
+          </a:prstGeom>
+          <a:solidFill>
+            <a:schemeClr val="bg1"/>
+          </a:solidFill>
+        </p:spPr>
+        <p:txBody>
+          <a:bodyPr wrap="square">
+            <a:spAutoFit/>
+          </a:bodyPr>
+          <a:lstStyle/>
+          <a:p>
+            <a:pPr>
+              <a:lnSpc>
+                <a:spcPct val="107000"/>
+              </a:lnSpc>
+              <a:spcAft>
+                <a:spcPts val="800"/>
+              </a:spcAft>
+              <a:buNone/>
+            </a:pPr>
+            <a:r>
+              <a:rPr lang="en-US" b="1" kern="100" dirty="0" smtClean="0">
+                <a:latin typeface="Cambria" panose="02040503050406030204" pitchFamily="18" charset="0"/>
+                <a:ea typeface="Cambria" panose="02040503050406030204" pitchFamily="18" charset="0"/>
+                <a:cs typeface="Segoe UI" panose="020B0502040204020203" pitchFamily="34" charset="0"/>
+              </a:rPr>
+              <a:t>1</a:t>
+            </a:r>
+            <a:r>
+              <a:rPr lang="en-US" b="1" kern="100" dirty="0">
+                <a:latin typeface="Cambria" panose="02040503050406030204" pitchFamily="18" charset="0"/>
+                <a:ea typeface="Cambria" panose="02040503050406030204" pitchFamily="18" charset="0"/>
+                <a:cs typeface="Segoe UI" panose="020B0502040204020203" pitchFamily="34" charset="0"/>
+              </a:rPr>
+              <a:t>. </a:t>
+            </a:r>
+            <a:r>
+              <a:rPr lang="en-US" b="1" kern="100" dirty="0">
+                <a:latin typeface="Cambria" panose="02040503050406030204" pitchFamily="18" charset="0"/>
+                <a:ea typeface="Cambria" panose="02040503050406030204" pitchFamily="18" charset="0"/>
+                <a:cs typeface="Segoe UI" panose="020B0502040204020203" pitchFamily="34" charset="0"/>
+              </a:rPr>
+              <a:t>Improve Customer Segmentation:</a:t>
+            </a:r>
+            <a:endParaRPr lang="en-US" b="1" kern="100" dirty="0">
+              <a:latin typeface="Cambria" panose="02040503050406030204" pitchFamily="18" charset="0"/>
+              <a:ea typeface="Cambria" panose="02040503050406030204" pitchFamily="18" charset="0"/>
+              <a:cs typeface="Segoe UI" panose="020B0502040204020203" pitchFamily="34" charset="0"/>
+            </a:endParaRPr>
+          </a:p>
+          <a:p>
+            <a:pPr>
+              <a:lnSpc>
+                <a:spcPct val="107000"/>
+              </a:lnSpc>
+              <a:spcAft>
+                <a:spcPts val="800"/>
+              </a:spcAft>
+              <a:buNone/>
+            </a:pPr>
+            <a:r>
+              <a:rPr lang="en-US" kern="100" dirty="0" smtClean="0">
+                <a:latin typeface="Cambria" panose="02040503050406030204" pitchFamily="18" charset="0"/>
+                <a:ea typeface="Cambria" panose="02040503050406030204" pitchFamily="18" charset="0"/>
+                <a:cs typeface="Segoe UI" panose="020B0502040204020203" pitchFamily="34" charset="0"/>
+              </a:rPr>
+              <a:t>We can use </a:t>
+            </a:r>
+            <a:r>
+              <a:rPr lang="en-US" kern="100" dirty="0">
+                <a:latin typeface="Cambria" panose="02040503050406030204" pitchFamily="18" charset="0"/>
+                <a:ea typeface="Cambria" panose="02040503050406030204" pitchFamily="18" charset="0"/>
+                <a:cs typeface="Segoe UI" panose="020B0502040204020203" pitchFamily="34" charset="0"/>
+              </a:rPr>
+              <a:t>customer demographics (age, gender, income, region) to create targeted marketing </a:t>
+            </a:r>
+            <a:r>
+              <a:rPr lang="en-US" kern="100" dirty="0" smtClean="0">
+                <a:latin typeface="Cambria" panose="02040503050406030204" pitchFamily="18" charset="0"/>
+                <a:ea typeface="Cambria" panose="02040503050406030204" pitchFamily="18" charset="0"/>
+                <a:cs typeface="Segoe UI" panose="020B0502040204020203" pitchFamily="34" charset="0"/>
+              </a:rPr>
+              <a:t>promotions. </a:t>
+            </a:r>
+            <a:r>
+              <a:rPr lang="en-US" kern="100" dirty="0">
+                <a:latin typeface="Cambria" panose="02040503050406030204" pitchFamily="18" charset="0"/>
+                <a:ea typeface="Cambria" panose="02040503050406030204" pitchFamily="18" charset="0"/>
+                <a:cs typeface="Segoe UI" panose="020B0502040204020203" pitchFamily="34" charset="0"/>
+              </a:rPr>
+              <a:t>This helps design personalized promotions for each group, especially high-spending </a:t>
+            </a:r>
+            <a:r>
+              <a:rPr lang="en-US" kern="100" dirty="0" smtClean="0">
+                <a:latin typeface="Cambria" panose="02040503050406030204" pitchFamily="18" charset="0"/>
+                <a:ea typeface="Cambria" panose="02040503050406030204" pitchFamily="18" charset="0"/>
+                <a:cs typeface="Segoe UI" panose="020B0502040204020203" pitchFamily="34" charset="0"/>
+              </a:rPr>
+              <a:t>peoples which age range from 30 to 35.</a:t>
+            </a:r>
+          </a:p>
+          <a:p>
+            <a:pPr>
+              <a:lnSpc>
+                <a:spcPct val="107000"/>
+              </a:lnSpc>
+              <a:spcAft>
+                <a:spcPts val="800"/>
+              </a:spcAft>
+              <a:buNone/>
+            </a:pPr>
+            <a:r>
+              <a:rPr lang="en-GB" b="1" kern="100" dirty="0" smtClean="0">
+                <a:latin typeface="Cambria" panose="02040503050406030204" pitchFamily="18" charset="0"/>
+                <a:ea typeface="Cambria" panose="02040503050406030204" pitchFamily="18" charset="0"/>
+                <a:cs typeface="Times New Roman" panose="02020603050405020304" pitchFamily="18" charset="0"/>
+              </a:rPr>
+              <a:t>2</a:t>
+            </a:r>
+            <a:r>
+              <a:rPr lang="en-GB" b="1" kern="100" dirty="0">
+                <a:latin typeface="Cambria" panose="02040503050406030204" pitchFamily="18" charset="0"/>
+                <a:ea typeface="Cambria" panose="02040503050406030204" pitchFamily="18" charset="0"/>
+                <a:cs typeface="Times New Roman" panose="02020603050405020304" pitchFamily="18" charset="0"/>
+              </a:rPr>
+              <a:t>. </a:t>
+            </a:r>
+            <a:r>
+              <a:rPr lang="en-US" b="1" kern="100" dirty="0">
+                <a:latin typeface="Cambria" panose="02040503050406030204" pitchFamily="18" charset="0"/>
+                <a:ea typeface="Cambria" panose="02040503050406030204" pitchFamily="18" charset="0"/>
+                <a:cs typeface="Times New Roman" panose="02020603050405020304" pitchFamily="18" charset="0"/>
+              </a:rPr>
+              <a:t>Optimize Inventory Based on Gender </a:t>
+            </a:r>
+            <a:r>
+              <a:rPr lang="en-US" b="1" kern="100" dirty="0" smtClean="0">
+                <a:latin typeface="Cambria" panose="02040503050406030204" pitchFamily="18" charset="0"/>
+                <a:ea typeface="Cambria" panose="02040503050406030204" pitchFamily="18" charset="0"/>
+                <a:cs typeface="Times New Roman" panose="02020603050405020304" pitchFamily="18" charset="0"/>
+              </a:rPr>
+              <a:t>Preferences:</a:t>
+            </a:r>
+          </a:p>
+          <a:p>
+            <a:pPr>
+              <a:lnSpc>
+                <a:spcPct val="107000"/>
+              </a:lnSpc>
+              <a:spcAft>
+                <a:spcPts val="800"/>
+              </a:spcAft>
+              <a:buNone/>
+            </a:pPr>
+            <a:r>
+              <a:rPr lang="en-US" dirty="0">
+                <a:latin typeface="Cambria" panose="02040503050406030204" pitchFamily="18" charset="0"/>
+                <a:ea typeface="Cambria" panose="02040503050406030204" pitchFamily="18" charset="0"/>
+                <a:cs typeface="Times New Roman" panose="02020603050405020304" pitchFamily="18" charset="0"/>
+              </a:rPr>
+              <a:t>Align stock levels and promotional focus in high-performing </a:t>
+            </a:r>
+            <a:r>
+              <a:rPr lang="en-US" dirty="0" smtClean="0">
+                <a:latin typeface="Cambria" panose="02040503050406030204" pitchFamily="18" charset="0"/>
+                <a:ea typeface="Cambria" panose="02040503050406030204" pitchFamily="18" charset="0"/>
+                <a:cs typeface="Times New Roman" panose="02020603050405020304" pitchFamily="18" charset="0"/>
+              </a:rPr>
+              <a:t>regions (e.g., London) with </a:t>
+            </a:r>
+            <a:r>
+              <a:rPr lang="en-US" dirty="0">
+                <a:latin typeface="Cambria" panose="02040503050406030204" pitchFamily="18" charset="0"/>
+                <a:ea typeface="Cambria" panose="02040503050406030204" pitchFamily="18" charset="0"/>
+                <a:cs typeface="Times New Roman" panose="02020603050405020304" pitchFamily="18" charset="0"/>
+              </a:rPr>
+              <a:t>those trends to minimize overstock and maximize sales</a:t>
+            </a:r>
+            <a:r>
+              <a:rPr lang="en-US" dirty="0" smtClean="0">
+                <a:latin typeface="Cambria" panose="02040503050406030204" pitchFamily="18" charset="0"/>
+                <a:ea typeface="Cambria" panose="02040503050406030204" pitchFamily="18" charset="0"/>
+                <a:cs typeface="Times New Roman" panose="02020603050405020304" pitchFamily="18" charset="0"/>
+              </a:rPr>
+              <a:t>.</a:t>
+            </a:r>
+          </a:p>
+          <a:p>
+            <a:pPr>
+              <a:lnSpc>
+                <a:spcPct val="107000"/>
+              </a:lnSpc>
+              <a:spcAft>
+                <a:spcPts val="800"/>
+              </a:spcAft>
+              <a:buNone/>
+            </a:pPr>
+            <a:r>
+              <a:rPr lang="en-US" b="1" smtClean="0">
+                <a:latin typeface="Cambria" panose="02040503050406030204" pitchFamily="18" charset="0"/>
+                <a:ea typeface="Cambria" panose="02040503050406030204" pitchFamily="18" charset="0"/>
+                <a:cs typeface="Times New Roman" panose="02020603050405020304" pitchFamily="18" charset="0"/>
+              </a:rPr>
+              <a:t>3</a:t>
+            </a:r>
+            <a:r>
+              <a:rPr lang="en-US" b="1" dirty="0" smtClean="0">
+                <a:latin typeface="Cambria" panose="02040503050406030204" pitchFamily="18" charset="0"/>
+                <a:ea typeface="Cambria" panose="02040503050406030204" pitchFamily="18" charset="0"/>
+                <a:cs typeface="Times New Roman" panose="02020603050405020304" pitchFamily="18" charset="0"/>
+              </a:rPr>
+              <a:t>. </a:t>
+            </a:r>
+            <a:r>
+              <a:rPr lang="en-US" b="1" dirty="0">
+                <a:latin typeface="Cambria" panose="02040503050406030204" pitchFamily="18" charset="0"/>
+                <a:ea typeface="Cambria" panose="02040503050406030204" pitchFamily="18" charset="0"/>
+                <a:cs typeface="Times New Roman" panose="02020603050405020304" pitchFamily="18" charset="0"/>
+              </a:rPr>
+              <a:t>Make the Model </a:t>
+            </a:r>
+            <a:r>
+              <a:rPr lang="en-US" b="1" dirty="0" smtClean="0">
+                <a:latin typeface="Cambria" panose="02040503050406030204" pitchFamily="18" charset="0"/>
+                <a:ea typeface="Cambria" panose="02040503050406030204" pitchFamily="18" charset="0"/>
+                <a:cs typeface="Times New Roman" panose="02020603050405020304" pitchFamily="18" charset="0"/>
+              </a:rPr>
+              <a:t>Better:</a:t>
+            </a:r>
+            <a:endParaRPr lang="en-US" b="1" dirty="0" smtClean="0">
+              <a:latin typeface="Cambria" panose="02040503050406030204" pitchFamily="18" charset="0"/>
+              <a:ea typeface="Cambria" panose="02040503050406030204" pitchFamily="18" charset="0"/>
+              <a:cs typeface="Times New Roman" panose="02020603050405020304" pitchFamily="18" charset="0"/>
+            </a:endParaRPr>
+          </a:p>
+          <a:p>
+            <a:pPr>
+              <a:lnSpc>
+                <a:spcPct val="107000"/>
+              </a:lnSpc>
+              <a:spcAft>
+                <a:spcPts val="800"/>
+              </a:spcAft>
+              <a:buNone/>
+            </a:pPr>
+            <a:r>
+              <a:rPr lang="en-US" dirty="0" smtClean="0">
+                <a:latin typeface="Cambria" panose="02040503050406030204" pitchFamily="18" charset="0"/>
+                <a:ea typeface="Cambria" panose="02040503050406030204" pitchFamily="18" charset="0"/>
+                <a:cs typeface="Times New Roman" panose="02020603050405020304" pitchFamily="18" charset="0"/>
+              </a:rPr>
+              <a:t>Current model accuracy is 0.54% which is good but can be improved. We can balancing the data more to get the better accuracy. </a:t>
+            </a:r>
+            <a:endParaRPr lang="en-US" dirty="0">
+              <a:latin typeface="Cambria" panose="02040503050406030204" pitchFamily="18" charset="0"/>
+              <a:ea typeface="Cambria" panose="02040503050406030204" pitchFamily="18" charset="0"/>
+              <a:cs typeface="Times New Roman" panose="02020603050405020304" pitchFamily="18" charset="0"/>
+            </a:endParaRPr>
+          </a:p>
+          <a:p>
+            <a:pPr>
+              <a:lnSpc>
+                <a:spcPct val="107000"/>
+              </a:lnSpc>
+              <a:spcAft>
+                <a:spcPts val="800"/>
+              </a:spcAft>
+              <a:buNone/>
+            </a:pPr>
+            <a:endParaRPr lang="en-US" dirty="0">
+              <a:latin typeface="Cambria" panose="02040503050406030204" pitchFamily="18" charset="0"/>
+              <a:ea typeface="Cambria" panose="02040503050406030204" pitchFamily="18" charset="0"/>
+              <a:cs typeface="Times New Roman" panose="02020603050405020304" pitchFamily="18" charset="0"/>
+            </a:endParaRPr>
+          </a:p>
+          <a:p>
+            <a:pPr>
+              <a:lnSpc>
+                <a:spcPct val="107000"/>
+              </a:lnSpc>
+              <a:spcAft>
+                <a:spcPts val="800"/>
+              </a:spcAft>
+              <a:buNone/>
+            </a:pPr>
+            <a:endParaRPr lang="en-US" dirty="0">
+              <a:latin typeface="Cambria" panose="02040503050406030204" pitchFamily="18" charset="0"/>
+              <a:ea typeface="Cambria" panose="02040503050406030204" pitchFamily="18" charset="0"/>
+              <a:cs typeface="Times New Roman" panose="02020603050405020304" pitchFamily="18" charset="0"/>
+            </a:endParaRPr>
+          </a:p>
+          <a:p>
+            <a:pPr>
+              <a:lnSpc>
+                <a:spcPct val="107000"/>
+              </a:lnSpc>
+              <a:spcAft>
+                <a:spcPts val="800"/>
+              </a:spcAft>
+              <a:buNone/>
+            </a:pPr>
+            <a:endParaRPr lang="en-GB" dirty="0">
+              <a:latin typeface="Cambria" panose="02040503050406030204" pitchFamily="18" charset="0"/>
+              <a:ea typeface="Cambria" panose="02040503050406030204" pitchFamily="18" charset="0"/>
+            </a:endParaRPr>
+          </a:p>
+        </p:txBody>
+      </p:sp>
+    </p:spTree>
+    <p:extLst>
+      <p:ext uri="{BB962C8B-B14F-4D97-AF65-F5344CB8AC3E}">
+        <p14:creationId xmlns:p14="http://schemas.microsoft.com/office/powerpoint/2010/main" val="2200024496"/>
+      </p:ext>
+    </p:extLst>
+  </p:cSld>
+  <p:clrMapOvr>
+    <a:masterClrMapping/>
+  </p:clrMapOvr>
+</p:sld>
+</file>
+
+<file path=ppt/slides/slide33.xml><?xml version="1.0" encoding="utf-8"?>
+<p:sld xmlns:a="http://schemas.openxmlformats.org/drawingml/2006/main" xmlns:r="http://schemas.openxmlformats.org/officeDocument/2006/relationships" xmlns:p="http://schemas.openxmlformats.org/presentationml/2006/main">
+  <p:cSld>
+    <p:spTree>
+      <p:nvGrpSpPr>
+        <p:cNvPr id="1" name=""/>
+        <p:cNvGrpSpPr/>
+        <p:nvPr/>
+      </p:nvGrpSpPr>
+      <p:grpSpPr>
+        <a:xfrm>
+          <a:off x="0" y="0"/>
+          <a:ext cx="0" cy="0"/>
+          <a:chOff x="0" y="0"/>
+          <a:chExt cx="0" cy="0"/>
+        </a:xfrm>
+      </p:grpSpPr>
+      <p:sp>
+        <p:nvSpPr>
+          <p:cNvPr id="2" name="Title 1">
+            <a:extLst>
+              <a:ext uri="{FF2B5EF4-FFF2-40B4-BE49-F238E27FC236}">
+                <a16:creationId xmlns:a16="http://schemas.microsoft.com/office/drawing/2014/main" xmlns="" id="{885DAAE8-B486-CCB1-6666-021D8950CD61}"/>
               </a:ext>
             </a:extLst>
           </p:cNvPr>
@@ -14523,7 +15178,7 @@
           <p:cNvPr id="3" name="Content Placeholder 2">
             <a:extLst>
               <a:ext uri="{FF2B5EF4-FFF2-40B4-BE49-F238E27FC236}">
-                <a16:creationId xmlns:a16="http://schemas.microsoft.com/office/drawing/2014/main" id="{515CC120-AC00-E67C-E4D2-BA56DE72363E}"/>
+                <a16:creationId xmlns:a16="http://schemas.microsoft.com/office/drawing/2014/main" xmlns="" id="{515CC120-AC00-E67C-E4D2-BA56DE72363E}"/>
               </a:ext>
             </a:extLst>
           </p:cNvPr>
@@ -14548,7 +15203,7 @@
           <p:cNvPr id="4" name="Content Placeholder 3" descr="A white and blue room with blue sky">
             <a:extLst>
               <a:ext uri="{FF2B5EF4-FFF2-40B4-BE49-F238E27FC236}">
-                <a16:creationId xmlns:a16="http://schemas.microsoft.com/office/drawing/2014/main" id="{50B2269F-BE2F-E7FB-5FDB-1F8AEF58852C}"/>
+                <a16:creationId xmlns:a16="http://schemas.microsoft.com/office/drawing/2014/main" xmlns="" id="{50B2269F-BE2F-E7FB-5FDB-1F8AEF58852C}"/>
               </a:ext>
             </a:extLst>
           </p:cNvPr>
@@ -14587,7 +15242,7 @@
 </p:sld>
 </file>
 
-<file path=ppt/slides/slide33.xml><?xml version="1.0" encoding="utf-8"?>
+<file path=ppt/slides/slide34.xml><?xml version="1.0" encoding="utf-8"?>
 <p:sld xmlns:a="http://schemas.openxmlformats.org/drawingml/2006/main" xmlns:r="http://schemas.openxmlformats.org/officeDocument/2006/relationships" xmlns:p="http://schemas.openxmlformats.org/presentationml/2006/main">
   <p:cSld>
     <p:spTree>
@@ -14609,7 +15264,7 @@
           <p:cNvPr id="2" name="Title 1">
             <a:extLst>
               <a:ext uri="{FF2B5EF4-FFF2-40B4-BE49-F238E27FC236}">
-                <a16:creationId xmlns:a16="http://schemas.microsoft.com/office/drawing/2014/main" id="{9A8CFD10-516C-C8DA-BA42-DE8ECD083E9C}"/>
+                <a16:creationId xmlns:a16="http://schemas.microsoft.com/office/drawing/2014/main" xmlns="" id="{9A8CFD10-516C-C8DA-BA42-DE8ECD083E9C}"/>
               </a:ext>
             </a:extLst>
           </p:cNvPr>
@@ -14634,7 +15289,7 @@
           <p:cNvPr id="3" name="Content Placeholder 2">
             <a:extLst>
               <a:ext uri="{FF2B5EF4-FFF2-40B4-BE49-F238E27FC236}">
-                <a16:creationId xmlns:a16="http://schemas.microsoft.com/office/drawing/2014/main" id="{86D9A37B-D307-7E25-B9F1-A88C14729D73}"/>
+                <a16:creationId xmlns:a16="http://schemas.microsoft.com/office/drawing/2014/main" xmlns="" id="{86D9A37B-D307-7E25-B9F1-A88C14729D73}"/>
               </a:ext>
             </a:extLst>
           </p:cNvPr>
@@ -14659,7 +15314,7 @@
           <p:cNvPr id="4" name="Content Placeholder 3" descr="A white and blue room with blue sky">
             <a:extLst>
               <a:ext uri="{FF2B5EF4-FFF2-40B4-BE49-F238E27FC236}">
-                <a16:creationId xmlns:a16="http://schemas.microsoft.com/office/drawing/2014/main" id="{F6A4A3E5-D43B-8B34-BD25-585FDB13B9D2}"/>
+                <a16:creationId xmlns:a16="http://schemas.microsoft.com/office/drawing/2014/main" xmlns="" id="{F6A4A3E5-D43B-8B34-BD25-585FDB13B9D2}"/>
               </a:ext>
             </a:extLst>
           </p:cNvPr>
@@ -14698,7 +15353,7 @@
 </p:sld>
 </file>
 
-<file path=ppt/slides/slide34.xml><?xml version="1.0" encoding="utf-8"?>
+<file path=ppt/slides/slide35.xml><?xml version="1.0" encoding="utf-8"?>
 <p:sld xmlns:a="http://schemas.openxmlformats.org/drawingml/2006/main" xmlns:r="http://schemas.openxmlformats.org/officeDocument/2006/relationships" xmlns:p="http://schemas.openxmlformats.org/presentationml/2006/main">
   <p:cSld>
     <p:spTree>
@@ -14720,7 +15375,7 @@
           <p:cNvPr id="2" name="Title 1">
             <a:extLst>
               <a:ext uri="{FF2B5EF4-FFF2-40B4-BE49-F238E27FC236}">
-                <a16:creationId xmlns:a16="http://schemas.microsoft.com/office/drawing/2014/main" id="{90801C0D-DD7C-2C3E-6A34-1B226CA14234}"/>
+                <a16:creationId xmlns:a16="http://schemas.microsoft.com/office/drawing/2014/main" xmlns="" id="{90801C0D-DD7C-2C3E-6A34-1B226CA14234}"/>
               </a:ext>
             </a:extLst>
           </p:cNvPr>
@@ -14745,7 +15400,7 @@
           <p:cNvPr id="3" name="Content Placeholder 2">
             <a:extLst>
               <a:ext uri="{FF2B5EF4-FFF2-40B4-BE49-F238E27FC236}">
-                <a16:creationId xmlns:a16="http://schemas.microsoft.com/office/drawing/2014/main" id="{89F99CD3-760F-AC19-C1AA-FE6A03B951FD}"/>
+                <a16:creationId xmlns:a16="http://schemas.microsoft.com/office/drawing/2014/main" xmlns="" id="{89F99CD3-760F-AC19-C1AA-FE6A03B951FD}"/>
               </a:ext>
             </a:extLst>
           </p:cNvPr>
@@ -14770,7 +15425,7 @@
           <p:cNvPr id="4" name="Content Placeholder 3" descr="A white and blue room with blue sky">
             <a:extLst>
               <a:ext uri="{FF2B5EF4-FFF2-40B4-BE49-F238E27FC236}">
-                <a16:creationId xmlns:a16="http://schemas.microsoft.com/office/drawing/2014/main" id="{2645D3F7-F16C-3F04-835A-AC6A22A3B36B}"/>
+                <a16:creationId xmlns:a16="http://schemas.microsoft.com/office/drawing/2014/main" xmlns="" id="{2645D3F7-F16C-3F04-835A-AC6A22A3B36B}"/>
               </a:ext>
             </a:extLst>
           </p:cNvPr>
@@ -14839,10 +15494,10 @@
           <p:cNvPr id="9" name="Straight Connector 8">
             <a:extLst>
               <a:ext uri="{FF2B5EF4-FFF2-40B4-BE49-F238E27FC236}">
-                <a16:creationId xmlns:a16="http://schemas.microsoft.com/office/drawing/2014/main" id="{F64F9B95-9045-48D2-B9F3-2927E98F54AA}"/>
+                <a16:creationId xmlns:a16="http://schemas.microsoft.com/office/drawing/2014/main" xmlns="" id="{F64F9B95-9045-48D2-B9F3-2927E98F54AA}"/>
               </a:ext>
               <a:ext uri="{C183D7F6-B498-43B3-948B-1728B52AA6E4}">
-                <adec:decorative xmlns:adec="http://schemas.microsoft.com/office/drawing/2017/decorative" val="1"/>
+                <adec:decorative xmlns:adec="http://schemas.microsoft.com/office/drawing/2017/decorative" xmlns="" val="1"/>
               </a:ext>
             </a:extLst>
           </p:cNvPr>
@@ -14852,7 +15507,7 @@
           <p:nvPr>
             <p:extLst>
               <p:ext uri="{386F3935-93C4-4BCD-93E2-E3B085C9AB24}">
-                <p16:designElem xmlns:p16="http://schemas.microsoft.com/office/powerpoint/2015/main" val="1"/>
+                <p16:designElem xmlns:p16="http://schemas.microsoft.com/office/powerpoint/2015/main" xmlns="" val="1"/>
               </p:ext>
             </p:extLst>
           </p:nvPr>
@@ -14891,10 +15546,10 @@
           <p:cNvPr id="11" name="Straight Connector 10">
             <a:extLst>
               <a:ext uri="{FF2B5EF4-FFF2-40B4-BE49-F238E27FC236}">
-                <a16:creationId xmlns:a16="http://schemas.microsoft.com/office/drawing/2014/main" id="{085AA86F-6A4D-4BCB-A045-D992CDC2959B}"/>
+                <a16:creationId xmlns:a16="http://schemas.microsoft.com/office/drawing/2014/main" xmlns="" id="{085AA86F-6A4D-4BCB-A045-D992CDC2959B}"/>
               </a:ext>
               <a:ext uri="{C183D7F6-B498-43B3-948B-1728B52AA6E4}">
-                <adec:decorative xmlns:adec="http://schemas.microsoft.com/office/drawing/2017/decorative" val="1"/>
+                <adec:decorative xmlns:adec="http://schemas.microsoft.com/office/drawing/2017/decorative" xmlns="" val="1"/>
               </a:ext>
             </a:extLst>
           </p:cNvPr>
@@ -14904,7 +15559,7 @@
           <p:nvPr>
             <p:extLst>
               <p:ext uri="{386F3935-93C4-4BCD-93E2-E3B085C9AB24}">
-                <p16:designElem xmlns:p16="http://schemas.microsoft.com/office/powerpoint/2015/main" val="1"/>
+                <p16:designElem xmlns:p16="http://schemas.microsoft.com/office/powerpoint/2015/main" xmlns="" val="1"/>
               </p:ext>
             </p:extLst>
           </p:nvPr>
@@ -14943,10 +15598,10 @@
           <p:cNvPr id="13" name="Rectangle 12">
             <a:extLst>
               <a:ext uri="{FF2B5EF4-FFF2-40B4-BE49-F238E27FC236}">
-                <a16:creationId xmlns:a16="http://schemas.microsoft.com/office/drawing/2014/main" id="{80B98925-0550-1AFB-C1DC-02792400FB71}"/>
+                <a16:creationId xmlns:a16="http://schemas.microsoft.com/office/drawing/2014/main" xmlns="" id="{80B98925-0550-1AFB-C1DC-02792400FB71}"/>
               </a:ext>
               <a:ext uri="{C183D7F6-B498-43B3-948B-1728B52AA6E4}">
-                <adec:decorative xmlns:adec="http://schemas.microsoft.com/office/drawing/2017/decorative" val="1"/>
+                <adec:decorative xmlns:adec="http://schemas.microsoft.com/office/drawing/2017/decorative" xmlns="" val="1"/>
               </a:ext>
             </a:extLst>
           </p:cNvPr>
@@ -14956,7 +15611,7 @@
           <p:nvPr>
             <p:extLst>
               <p:ext uri="{386F3935-93C4-4BCD-93E2-E3B085C9AB24}">
-                <p16:designElem xmlns:p16="http://schemas.microsoft.com/office/powerpoint/2015/main" val="1"/>
+                <p16:designElem xmlns:p16="http://schemas.microsoft.com/office/powerpoint/2015/main" xmlns="" val="1"/>
               </p:ext>
             </p:extLst>
           </p:nvPr>
@@ -15051,7 +15706,7 @@
           <p:cNvPr id="4" name="Content Placeholder 3" descr="A white and blue room with blue sky&#10;&#10;AI-generated content may be incorrect.">
             <a:extLst>
               <a:ext uri="{FF2B5EF4-FFF2-40B4-BE49-F238E27FC236}">
-                <a16:creationId xmlns:a16="http://schemas.microsoft.com/office/drawing/2014/main" id="{65E3E49D-4659-1981-9BA6-4085B70B5A6B}"/>
+                <a16:creationId xmlns:a16="http://schemas.microsoft.com/office/drawing/2014/main" xmlns="" id="{65E3E49D-4659-1981-9BA6-4085B70B5A6B}"/>
               </a:ext>
             </a:extLst>
           </p:cNvPr>
@@ -15084,10 +15739,10 @@
           <p:cNvPr id="15" name="Rectangle 14">
             <a:extLst>
               <a:ext uri="{FF2B5EF4-FFF2-40B4-BE49-F238E27FC236}">
-                <a16:creationId xmlns:a16="http://schemas.microsoft.com/office/drawing/2014/main" id="{0CCA9273-E74E-A306-1F74-BEF9EDA30500}"/>
+                <a16:creationId xmlns:a16="http://schemas.microsoft.com/office/drawing/2014/main" xmlns="" id="{0CCA9273-E74E-A306-1F74-BEF9EDA30500}"/>
               </a:ext>
               <a:ext uri="{C183D7F6-B498-43B3-948B-1728B52AA6E4}">
-                <adec:decorative xmlns:adec="http://schemas.microsoft.com/office/drawing/2017/decorative" val="1"/>
+                <adec:decorative xmlns:adec="http://schemas.microsoft.com/office/drawing/2017/decorative" xmlns="" val="1"/>
               </a:ext>
             </a:extLst>
           </p:cNvPr>
@@ -15097,7 +15752,7 @@
           <p:nvPr>
             <p:extLst>
               <p:ext uri="{386F3935-93C4-4BCD-93E2-E3B085C9AB24}">
-                <p16:designElem xmlns:p16="http://schemas.microsoft.com/office/powerpoint/2015/main" val="1"/>
+                <p16:designElem xmlns:p16="http://schemas.microsoft.com/office/powerpoint/2015/main" xmlns="" val="1"/>
               </p:ext>
             </p:extLst>
           </p:nvPr>
@@ -15193,7 +15848,7 @@
           <p:cNvPr id="2" name="Title 1">
             <a:extLst>
               <a:ext uri="{FF2B5EF4-FFF2-40B4-BE49-F238E27FC236}">
-                <a16:creationId xmlns:a16="http://schemas.microsoft.com/office/drawing/2014/main" id="{610C6E2F-CED4-9700-8D9A-915856069648}"/>
+                <a16:creationId xmlns:a16="http://schemas.microsoft.com/office/drawing/2014/main" xmlns="" id="{610C6E2F-CED4-9700-8D9A-915856069648}"/>
               </a:ext>
             </a:extLst>
           </p:cNvPr>
@@ -15228,7 +15883,7 @@
           <p:cNvPr id="6" name="TextBox 5">
             <a:extLst>
               <a:ext uri="{FF2B5EF4-FFF2-40B4-BE49-F238E27FC236}">
-                <a16:creationId xmlns:a16="http://schemas.microsoft.com/office/drawing/2014/main" id="{613581B2-57AE-692A-8A8A-9AC443269F75}"/>
+                <a16:creationId xmlns:a16="http://schemas.microsoft.com/office/drawing/2014/main" xmlns="" id="{613581B2-57AE-692A-8A8A-9AC443269F75}"/>
               </a:ext>
             </a:extLst>
           </p:cNvPr>
@@ -15322,7 +15977,7 @@
           <p:cNvPr id="12" name="Picture 11" descr="A screenshot of a computer screen">
             <a:extLst>
               <a:ext uri="{FF2B5EF4-FFF2-40B4-BE49-F238E27FC236}">
-                <a16:creationId xmlns:a16="http://schemas.microsoft.com/office/drawing/2014/main" id="{B201A967-2478-9259-7E7C-4DB370D9FD1F}"/>
+                <a16:creationId xmlns:a16="http://schemas.microsoft.com/office/drawing/2014/main" xmlns="" id="{B201A967-2478-9259-7E7C-4DB370D9FD1F}"/>
               </a:ext>
             </a:extLst>
           </p:cNvPr>
@@ -15358,7 +16013,7 @@
           <p:cNvPr id="16" name="Picture 15" descr="A screenshot of a computer&#10;&#10;AI-generated content may be incorrect.">
             <a:extLst>
               <a:ext uri="{FF2B5EF4-FFF2-40B4-BE49-F238E27FC236}">
-                <a16:creationId xmlns:a16="http://schemas.microsoft.com/office/drawing/2014/main" id="{F3BF7ED7-0B0C-1858-803B-D966B4114932}"/>
+                <a16:creationId xmlns:a16="http://schemas.microsoft.com/office/drawing/2014/main" xmlns="" id="{F3BF7ED7-0B0C-1858-803B-D966B4114932}"/>
               </a:ext>
             </a:extLst>
           </p:cNvPr>
@@ -15394,7 +16049,7 @@
           <p:cNvPr id="18" name="TextBox 17">
             <a:extLst>
               <a:ext uri="{FF2B5EF4-FFF2-40B4-BE49-F238E27FC236}">
-                <a16:creationId xmlns:a16="http://schemas.microsoft.com/office/drawing/2014/main" id="{2C0B73EE-CB95-5D64-7C5D-4C9254DA069A}"/>
+                <a16:creationId xmlns:a16="http://schemas.microsoft.com/office/drawing/2014/main" xmlns="" id="{2C0B73EE-CB95-5D64-7C5D-4C9254DA069A}"/>
               </a:ext>
             </a:extLst>
           </p:cNvPr>
@@ -15618,10 +16273,10 @@
           <p:cNvPr id="9" name="Rectangle 8">
             <a:extLst>
               <a:ext uri="{FF2B5EF4-FFF2-40B4-BE49-F238E27FC236}">
-                <a16:creationId xmlns:a16="http://schemas.microsoft.com/office/drawing/2014/main" id="{80B98925-0550-1AFB-C1DC-02792400FB71}"/>
+                <a16:creationId xmlns:a16="http://schemas.microsoft.com/office/drawing/2014/main" xmlns="" id="{80B98925-0550-1AFB-C1DC-02792400FB71}"/>
               </a:ext>
               <a:ext uri="{C183D7F6-B498-43B3-948B-1728B52AA6E4}">
-                <adec:decorative xmlns:adec="http://schemas.microsoft.com/office/drawing/2017/decorative" val="1"/>
+                <adec:decorative xmlns:adec="http://schemas.microsoft.com/office/drawing/2017/decorative" xmlns="" val="1"/>
               </a:ext>
             </a:extLst>
           </p:cNvPr>
@@ -15631,7 +16286,7 @@
           <p:nvPr>
             <p:extLst>
               <p:ext uri="{386F3935-93C4-4BCD-93E2-E3B085C9AB24}">
-                <p16:designElem xmlns:p16="http://schemas.microsoft.com/office/powerpoint/2015/main" val="1"/>
+                <p16:designElem xmlns:p16="http://schemas.microsoft.com/office/powerpoint/2015/main" xmlns="" val="1"/>
               </p:ext>
             </p:extLst>
           </p:nvPr>
@@ -15726,7 +16381,7 @@
           <p:cNvPr id="4" name="Picture 3" descr="A white and blue room with blue sky&#10;&#10;AI-generated content may be incorrect.">
             <a:extLst>
               <a:ext uri="{FF2B5EF4-FFF2-40B4-BE49-F238E27FC236}">
-                <a16:creationId xmlns:a16="http://schemas.microsoft.com/office/drawing/2014/main" id="{36CE6427-7899-688F-3128-1CE9BF0EC21E}"/>
+                <a16:creationId xmlns:a16="http://schemas.microsoft.com/office/drawing/2014/main" xmlns="" id="{36CE6427-7899-688F-3128-1CE9BF0EC21E}"/>
               </a:ext>
             </a:extLst>
           </p:cNvPr>
@@ -15757,10 +16412,10 @@
           <p:cNvPr id="11" name="Rectangle 10">
             <a:extLst>
               <a:ext uri="{FF2B5EF4-FFF2-40B4-BE49-F238E27FC236}">
-                <a16:creationId xmlns:a16="http://schemas.microsoft.com/office/drawing/2014/main" id="{0CCA9273-E74E-A306-1F74-BEF9EDA30500}"/>
+                <a16:creationId xmlns:a16="http://schemas.microsoft.com/office/drawing/2014/main" xmlns="" id="{0CCA9273-E74E-A306-1F74-BEF9EDA30500}"/>
               </a:ext>
               <a:ext uri="{C183D7F6-B498-43B3-948B-1728B52AA6E4}">
-                <adec:decorative xmlns:adec="http://schemas.microsoft.com/office/drawing/2017/decorative" val="1"/>
+                <adec:decorative xmlns:adec="http://schemas.microsoft.com/office/drawing/2017/decorative" xmlns="" val="1"/>
               </a:ext>
             </a:extLst>
           </p:cNvPr>
@@ -15770,7 +16425,7 @@
           <p:nvPr>
             <p:extLst>
               <p:ext uri="{386F3935-93C4-4BCD-93E2-E3B085C9AB24}">
-                <p16:designElem xmlns:p16="http://schemas.microsoft.com/office/powerpoint/2015/main" val="1"/>
+                <p16:designElem xmlns:p16="http://schemas.microsoft.com/office/powerpoint/2015/main" xmlns="" val="1"/>
               </p:ext>
             </p:extLst>
           </p:nvPr>
@@ -15866,7 +16521,7 @@
           <p:cNvPr id="2" name="Title 1">
             <a:extLst>
               <a:ext uri="{FF2B5EF4-FFF2-40B4-BE49-F238E27FC236}">
-                <a16:creationId xmlns:a16="http://schemas.microsoft.com/office/drawing/2014/main" id="{CEC4E630-4580-706E-FD4B-475362D26051}"/>
+                <a16:creationId xmlns:a16="http://schemas.microsoft.com/office/drawing/2014/main" xmlns="" id="{CEC4E630-4580-706E-FD4B-475362D26051}"/>
               </a:ext>
             </a:extLst>
           </p:cNvPr>
@@ -15905,7 +16560,7 @@
           <p:cNvPr id="6" name="TextBox 5">
             <a:extLst>
               <a:ext uri="{FF2B5EF4-FFF2-40B4-BE49-F238E27FC236}">
-                <a16:creationId xmlns:a16="http://schemas.microsoft.com/office/drawing/2014/main" id="{136059E5-3263-14F5-C9FE-3F6C3E0B5C53}"/>
+                <a16:creationId xmlns:a16="http://schemas.microsoft.com/office/drawing/2014/main" xmlns="" id="{136059E5-3263-14F5-C9FE-3F6C3E0B5C53}"/>
               </a:ext>
             </a:extLst>
           </p:cNvPr>
@@ -16210,10 +16865,10 @@
           <p:cNvPr id="9" name="Rectangle 8">
             <a:extLst>
               <a:ext uri="{FF2B5EF4-FFF2-40B4-BE49-F238E27FC236}">
-                <a16:creationId xmlns:a16="http://schemas.microsoft.com/office/drawing/2014/main" id="{80B98925-0550-1AFB-C1DC-02792400FB71}"/>
+                <a16:creationId xmlns:a16="http://schemas.microsoft.com/office/drawing/2014/main" xmlns="" id="{80B98925-0550-1AFB-C1DC-02792400FB71}"/>
               </a:ext>
               <a:ext uri="{C183D7F6-B498-43B3-948B-1728B52AA6E4}">
-                <adec:decorative xmlns:adec="http://schemas.microsoft.com/office/drawing/2017/decorative" val="1"/>
+                <adec:decorative xmlns:adec="http://schemas.microsoft.com/office/drawing/2017/decorative" xmlns="" val="1"/>
               </a:ext>
             </a:extLst>
           </p:cNvPr>
@@ -16223,7 +16878,7 @@
           <p:nvPr>
             <p:extLst>
               <p:ext uri="{386F3935-93C4-4BCD-93E2-E3B085C9AB24}">
-                <p16:designElem xmlns:p16="http://schemas.microsoft.com/office/powerpoint/2015/main" val="1"/>
+                <p16:designElem xmlns:p16="http://schemas.microsoft.com/office/powerpoint/2015/main" xmlns="" val="1"/>
               </p:ext>
             </p:extLst>
           </p:nvPr>
@@ -16318,7 +16973,7 @@
           <p:cNvPr id="4" name="Picture 3" descr="A white and blue room with blue sky&#10;&#10;AI-generated content may be incorrect.">
             <a:extLst>
               <a:ext uri="{FF2B5EF4-FFF2-40B4-BE49-F238E27FC236}">
-                <a16:creationId xmlns:a16="http://schemas.microsoft.com/office/drawing/2014/main" id="{36CE6427-7899-688F-3128-1CE9BF0EC21E}"/>
+                <a16:creationId xmlns:a16="http://schemas.microsoft.com/office/drawing/2014/main" xmlns="" id="{36CE6427-7899-688F-3128-1CE9BF0EC21E}"/>
               </a:ext>
             </a:extLst>
           </p:cNvPr>
@@ -16349,10 +17004,10 @@
           <p:cNvPr id="11" name="Rectangle 10">
             <a:extLst>
               <a:ext uri="{FF2B5EF4-FFF2-40B4-BE49-F238E27FC236}">
-                <a16:creationId xmlns:a16="http://schemas.microsoft.com/office/drawing/2014/main" id="{0CCA9273-E74E-A306-1F74-BEF9EDA30500}"/>
+                <a16:creationId xmlns:a16="http://schemas.microsoft.com/office/drawing/2014/main" xmlns="" id="{0CCA9273-E74E-A306-1F74-BEF9EDA30500}"/>
               </a:ext>
               <a:ext uri="{C183D7F6-B498-43B3-948B-1728B52AA6E4}">
-                <adec:decorative xmlns:adec="http://schemas.microsoft.com/office/drawing/2017/decorative" val="1"/>
+                <adec:decorative xmlns:adec="http://schemas.microsoft.com/office/drawing/2017/decorative" xmlns="" val="1"/>
               </a:ext>
             </a:extLst>
           </p:cNvPr>
@@ -16362,7 +17017,7 @@
           <p:nvPr>
             <p:extLst>
               <p:ext uri="{386F3935-93C4-4BCD-93E2-E3B085C9AB24}">
-                <p16:designElem xmlns:p16="http://schemas.microsoft.com/office/powerpoint/2015/main" val="1"/>
+                <p16:designElem xmlns:p16="http://schemas.microsoft.com/office/powerpoint/2015/main" xmlns="" val="1"/>
               </p:ext>
             </p:extLst>
           </p:nvPr>
@@ -16458,7 +17113,7 @@
           <p:cNvPr id="2" name="Title 1">
             <a:extLst>
               <a:ext uri="{FF2B5EF4-FFF2-40B4-BE49-F238E27FC236}">
-                <a16:creationId xmlns:a16="http://schemas.microsoft.com/office/drawing/2014/main" id="{CEC4E630-4580-706E-FD4B-475362D26051}"/>
+                <a16:creationId xmlns:a16="http://schemas.microsoft.com/office/drawing/2014/main" xmlns="" id="{CEC4E630-4580-706E-FD4B-475362D26051}"/>
               </a:ext>
             </a:extLst>
           </p:cNvPr>
@@ -16497,7 +17152,7 @@
           <p:cNvPr id="6" name="TextBox 5">
             <a:extLst>
               <a:ext uri="{FF2B5EF4-FFF2-40B4-BE49-F238E27FC236}">
-                <a16:creationId xmlns:a16="http://schemas.microsoft.com/office/drawing/2014/main" id="{136059E5-3263-14F5-C9FE-3F6C3E0B5C53}"/>
+                <a16:creationId xmlns:a16="http://schemas.microsoft.com/office/drawing/2014/main" xmlns="" id="{136059E5-3263-14F5-C9FE-3F6C3E0B5C53}"/>
               </a:ext>
             </a:extLst>
           </p:cNvPr>
@@ -16711,10 +17366,10 @@
           <p:cNvPr id="9" name="Rectangle 8">
             <a:extLst>
               <a:ext uri="{FF2B5EF4-FFF2-40B4-BE49-F238E27FC236}">
-                <a16:creationId xmlns:a16="http://schemas.microsoft.com/office/drawing/2014/main" id="{80B98925-0550-1AFB-C1DC-02792400FB71}"/>
+                <a16:creationId xmlns:a16="http://schemas.microsoft.com/office/drawing/2014/main" xmlns="" id="{80B98925-0550-1AFB-C1DC-02792400FB71}"/>
               </a:ext>
               <a:ext uri="{C183D7F6-B498-43B3-948B-1728B52AA6E4}">
-                <adec:decorative xmlns:adec="http://schemas.microsoft.com/office/drawing/2017/decorative" val="1"/>
+                <adec:decorative xmlns:adec="http://schemas.microsoft.com/office/drawing/2017/decorative" xmlns="" val="1"/>
               </a:ext>
             </a:extLst>
           </p:cNvPr>
@@ -16724,7 +17379,7 @@
           <p:nvPr>
             <p:extLst>
               <p:ext uri="{386F3935-93C4-4BCD-93E2-E3B085C9AB24}">
-                <p16:designElem xmlns:p16="http://schemas.microsoft.com/office/powerpoint/2015/main" val="1"/>
+                <p16:designElem xmlns:p16="http://schemas.microsoft.com/office/powerpoint/2015/main" xmlns="" val="1"/>
               </p:ext>
             </p:extLst>
           </p:nvPr>
@@ -16819,7 +17474,7 @@
           <p:cNvPr id="4" name="Picture 3" descr="A white and blue room with blue sky&#10;&#10;AI-generated content may be incorrect.">
             <a:extLst>
               <a:ext uri="{FF2B5EF4-FFF2-40B4-BE49-F238E27FC236}">
-                <a16:creationId xmlns:a16="http://schemas.microsoft.com/office/drawing/2014/main" id="{36CE6427-7899-688F-3128-1CE9BF0EC21E}"/>
+                <a16:creationId xmlns:a16="http://schemas.microsoft.com/office/drawing/2014/main" xmlns="" id="{36CE6427-7899-688F-3128-1CE9BF0EC21E}"/>
               </a:ext>
             </a:extLst>
           </p:cNvPr>
@@ -16850,10 +17505,10 @@
           <p:cNvPr id="11" name="Rectangle 10">
             <a:extLst>
               <a:ext uri="{FF2B5EF4-FFF2-40B4-BE49-F238E27FC236}">
-                <a16:creationId xmlns:a16="http://schemas.microsoft.com/office/drawing/2014/main" id="{0CCA9273-E74E-A306-1F74-BEF9EDA30500}"/>
+                <a16:creationId xmlns:a16="http://schemas.microsoft.com/office/drawing/2014/main" xmlns="" id="{0CCA9273-E74E-A306-1F74-BEF9EDA30500}"/>
               </a:ext>
               <a:ext uri="{C183D7F6-B498-43B3-948B-1728B52AA6E4}">
-                <adec:decorative xmlns:adec="http://schemas.microsoft.com/office/drawing/2017/decorative" val="1"/>
+                <adec:decorative xmlns:adec="http://schemas.microsoft.com/office/drawing/2017/decorative" xmlns="" val="1"/>
               </a:ext>
             </a:extLst>
           </p:cNvPr>
@@ -16863,7 +17518,7 @@
           <p:nvPr>
             <p:extLst>
               <p:ext uri="{386F3935-93C4-4BCD-93E2-E3B085C9AB24}">
-                <p16:designElem xmlns:p16="http://schemas.microsoft.com/office/powerpoint/2015/main" val="1"/>
+                <p16:designElem xmlns:p16="http://schemas.microsoft.com/office/powerpoint/2015/main" xmlns="" val="1"/>
               </p:ext>
             </p:extLst>
           </p:nvPr>
@@ -16959,7 +17614,7 @@
           <p:cNvPr id="2" name="Title 1">
             <a:extLst>
               <a:ext uri="{FF2B5EF4-FFF2-40B4-BE49-F238E27FC236}">
-                <a16:creationId xmlns:a16="http://schemas.microsoft.com/office/drawing/2014/main" id="{CEC4E630-4580-706E-FD4B-475362D26051}"/>
+                <a16:creationId xmlns:a16="http://schemas.microsoft.com/office/drawing/2014/main" xmlns="" id="{CEC4E630-4580-706E-FD4B-475362D26051}"/>
               </a:ext>
             </a:extLst>
           </p:cNvPr>
@@ -16998,7 +17653,7 @@
           <p:cNvPr id="6" name="TextBox 5">
             <a:extLst>
               <a:ext uri="{FF2B5EF4-FFF2-40B4-BE49-F238E27FC236}">
-                <a16:creationId xmlns:a16="http://schemas.microsoft.com/office/drawing/2014/main" id="{136059E5-3263-14F5-C9FE-3F6C3E0B5C53}"/>
+                <a16:creationId xmlns:a16="http://schemas.microsoft.com/office/drawing/2014/main" xmlns="" id="{136059E5-3263-14F5-C9FE-3F6C3E0B5C53}"/>
               </a:ext>
             </a:extLst>
           </p:cNvPr>
@@ -17511,7 +18166,7 @@
           <p:cNvPr id="2" name="Title 1">
             <a:extLst>
               <a:ext uri="{FF2B5EF4-FFF2-40B4-BE49-F238E27FC236}">
-                <a16:creationId xmlns:a16="http://schemas.microsoft.com/office/drawing/2014/main" id="{9875182E-ABEA-289F-5F4A-A1988D4DFDCF}"/>
+                <a16:creationId xmlns:a16="http://schemas.microsoft.com/office/drawing/2014/main" xmlns="" id="{9875182E-ABEA-289F-5F4A-A1988D4DFDCF}"/>
               </a:ext>
             </a:extLst>
           </p:cNvPr>
@@ -17536,7 +18191,7 @@
           <p:cNvPr id="3" name="Content Placeholder 2">
             <a:extLst>
               <a:ext uri="{FF2B5EF4-FFF2-40B4-BE49-F238E27FC236}">
-                <a16:creationId xmlns:a16="http://schemas.microsoft.com/office/drawing/2014/main" id="{C29AA8B7-A630-7F22-4896-C52CCCB2B4DA}"/>
+                <a16:creationId xmlns:a16="http://schemas.microsoft.com/office/drawing/2014/main" xmlns="" id="{C29AA8B7-A630-7F22-4896-C52CCCB2B4DA}"/>
               </a:ext>
             </a:extLst>
           </p:cNvPr>
@@ -17561,7 +18216,7 @@
           <p:cNvPr id="4" name="Content Placeholder 3" descr="A white and blue room with blue sky">
             <a:extLst>
               <a:ext uri="{FF2B5EF4-FFF2-40B4-BE49-F238E27FC236}">
-                <a16:creationId xmlns:a16="http://schemas.microsoft.com/office/drawing/2014/main" id="{86900ADB-D911-5896-DB57-56D002104CEA}"/>
+                <a16:creationId xmlns:a16="http://schemas.microsoft.com/office/drawing/2014/main" xmlns="" id="{86900ADB-D911-5896-DB57-56D002104CEA}"/>
               </a:ext>
             </a:extLst>
           </p:cNvPr>
@@ -17592,7 +18247,7 @@
           <p:cNvPr id="5" name="Title 1">
             <a:extLst>
               <a:ext uri="{FF2B5EF4-FFF2-40B4-BE49-F238E27FC236}">
-                <a16:creationId xmlns:a16="http://schemas.microsoft.com/office/drawing/2014/main" id="{E8843E50-E17A-C86F-0950-35E93A5BB87E}"/>
+                <a16:creationId xmlns:a16="http://schemas.microsoft.com/office/drawing/2014/main" xmlns="" id="{E8843E50-E17A-C86F-0950-35E93A5BB87E}"/>
               </a:ext>
             </a:extLst>
           </p:cNvPr>
@@ -17649,7 +18304,7 @@
           <p:cNvPr id="8" name="TextBox 7">
             <a:extLst>
               <a:ext uri="{FF2B5EF4-FFF2-40B4-BE49-F238E27FC236}">
-                <a16:creationId xmlns:a16="http://schemas.microsoft.com/office/drawing/2014/main" id="{CAC4036C-E995-7150-6AA6-3478B5F50D62}"/>
+                <a16:creationId xmlns:a16="http://schemas.microsoft.com/office/drawing/2014/main" xmlns="" id="{CAC4036C-E995-7150-6AA6-3478B5F50D62}"/>
               </a:ext>
             </a:extLst>
           </p:cNvPr>
@@ -17804,7 +18459,7 @@
           <p:cNvPr id="2" name="Table 3">
             <a:extLst>
               <a:ext uri="{FF2B5EF4-FFF2-40B4-BE49-F238E27FC236}">
-                <a16:creationId xmlns:a16="http://schemas.microsoft.com/office/drawing/2014/main" id="{C7A82693-1103-F002-F20F-13C330FC7EDD}"/>
+                <a16:creationId xmlns:a16="http://schemas.microsoft.com/office/drawing/2014/main" xmlns="" id="{C7A82693-1103-F002-F20F-13C330FC7EDD}"/>
               </a:ext>
             </a:extLst>
           </p:cNvPr>
@@ -17834,35 +18489,35 @@
                 <a:gridCol w="2103120">
                   <a:extLst>
                     <a:ext uri="{9D8B030D-6E8A-4147-A177-3AD203B41FA5}">
-                      <a16:colId xmlns:a16="http://schemas.microsoft.com/office/drawing/2014/main" val="4143759306"/>
+                      <a16:colId xmlns:a16="http://schemas.microsoft.com/office/drawing/2014/main" xmlns="" val="4143759306"/>
                     </a:ext>
                   </a:extLst>
                 </a:gridCol>
                 <a:gridCol w="2103120">
                   <a:extLst>
                     <a:ext uri="{9D8B030D-6E8A-4147-A177-3AD203B41FA5}">
-                      <a16:colId xmlns:a16="http://schemas.microsoft.com/office/drawing/2014/main" val="3519015707"/>
+                      <a16:colId xmlns:a16="http://schemas.microsoft.com/office/drawing/2014/main" xmlns="" val="3519015707"/>
                     </a:ext>
                   </a:extLst>
                 </a:gridCol>
                 <a:gridCol w="2103120">
                   <a:extLst>
                     <a:ext uri="{9D8B030D-6E8A-4147-A177-3AD203B41FA5}">
-                      <a16:colId xmlns:a16="http://schemas.microsoft.com/office/drawing/2014/main" val="2006744801"/>
+                      <a16:colId xmlns:a16="http://schemas.microsoft.com/office/drawing/2014/main" xmlns="" val="2006744801"/>
                     </a:ext>
                   </a:extLst>
                 </a:gridCol>
                 <a:gridCol w="2103120">
                   <a:extLst>
                     <a:ext uri="{9D8B030D-6E8A-4147-A177-3AD203B41FA5}">
-                      <a16:colId xmlns:a16="http://schemas.microsoft.com/office/drawing/2014/main" val="2961066278"/>
+                      <a16:colId xmlns:a16="http://schemas.microsoft.com/office/drawing/2014/main" xmlns="" val="2961066278"/>
                     </a:ext>
                   </a:extLst>
                 </a:gridCol>
                 <a:gridCol w="2103120">
                   <a:extLst>
                     <a:ext uri="{9D8B030D-6E8A-4147-A177-3AD203B41FA5}">
-                      <a16:colId xmlns:a16="http://schemas.microsoft.com/office/drawing/2014/main" val="2671763640"/>
+                      <a16:colId xmlns:a16="http://schemas.microsoft.com/office/drawing/2014/main" xmlns="" val="2671763640"/>
                     </a:ext>
                   </a:extLst>
                 </a:gridCol>
@@ -18005,7 +18660,7 @@
                 </a:tc>
                 <a:extLst>
                   <a:ext uri="{0D108BD9-81ED-4DB2-BD59-A6C34878D82A}">
-                    <a16:rowId xmlns:a16="http://schemas.microsoft.com/office/drawing/2014/main" val="472805572"/>
+                    <a16:rowId xmlns:a16="http://schemas.microsoft.com/office/drawing/2014/main" xmlns="" val="472805572"/>
                   </a:ext>
                 </a:extLst>
               </a:tr>
@@ -18147,7 +18802,7 @@
                 </a:tc>
                 <a:extLst>
                   <a:ext uri="{0D108BD9-81ED-4DB2-BD59-A6C34878D82A}">
-                    <a16:rowId xmlns:a16="http://schemas.microsoft.com/office/drawing/2014/main" val="1185365151"/>
+                    <a16:rowId xmlns:a16="http://schemas.microsoft.com/office/drawing/2014/main" xmlns="" val="1185365151"/>
                   </a:ext>
                 </a:extLst>
               </a:tr>
@@ -18317,7 +18972,7 @@
                 </a:tc>
                 <a:extLst>
                   <a:ext uri="{0D108BD9-81ED-4DB2-BD59-A6C34878D82A}">
-                    <a16:rowId xmlns:a16="http://schemas.microsoft.com/office/drawing/2014/main" val="4165415400"/>
+                    <a16:rowId xmlns:a16="http://schemas.microsoft.com/office/drawing/2014/main" xmlns="" val="4165415400"/>
                   </a:ext>
                 </a:extLst>
               </a:tr>
@@ -18459,7 +19114,7 @@
                 </a:tc>
                 <a:extLst>
                   <a:ext uri="{0D108BD9-81ED-4DB2-BD59-A6C34878D82A}">
-                    <a16:rowId xmlns:a16="http://schemas.microsoft.com/office/drawing/2014/main" val="2798703318"/>
+                    <a16:rowId xmlns:a16="http://schemas.microsoft.com/office/drawing/2014/main" xmlns="" val="2798703318"/>
                   </a:ext>
                 </a:extLst>
               </a:tr>
@@ -18629,7 +19284,7 @@
                 </a:tc>
                 <a:extLst>
                   <a:ext uri="{0D108BD9-81ED-4DB2-BD59-A6C34878D82A}">
-                    <a16:rowId xmlns:a16="http://schemas.microsoft.com/office/drawing/2014/main" val="1699135355"/>
+                    <a16:rowId xmlns:a16="http://schemas.microsoft.com/office/drawing/2014/main" xmlns="" val="1699135355"/>
                   </a:ext>
                 </a:extLst>
               </a:tr>
@@ -18771,7 +19426,7 @@
                 </a:tc>
                 <a:extLst>
                   <a:ext uri="{0D108BD9-81ED-4DB2-BD59-A6C34878D82A}">
-                    <a16:rowId xmlns:a16="http://schemas.microsoft.com/office/drawing/2014/main" val="3673061667"/>
+                    <a16:rowId xmlns:a16="http://schemas.microsoft.com/office/drawing/2014/main" xmlns="" val="3673061667"/>
                   </a:ext>
                 </a:extLst>
               </a:tr>
@@ -18941,7 +19596,7 @@
                 </a:tc>
                 <a:extLst>
                   <a:ext uri="{0D108BD9-81ED-4DB2-BD59-A6C34878D82A}">
-                    <a16:rowId xmlns:a16="http://schemas.microsoft.com/office/drawing/2014/main" val="904182506"/>
+                    <a16:rowId xmlns:a16="http://schemas.microsoft.com/office/drawing/2014/main" xmlns="" val="904182506"/>
                   </a:ext>
                 </a:extLst>
               </a:tr>
